--- a/images.pptx
+++ b/images.pptx
@@ -6,6 +6,7 @@
   </p:sldMasterIdLst>
   <p:sldIdLst>
     <p:sldId id="256" r:id="rId2"/>
+    <p:sldId id="257" r:id="rId3"/>
   </p:sldIdLst>
   <p:sldSz cx="12192000" cy="6858000"/>
   <p:notesSz cx="6858000" cy="9144000"/>
@@ -104,6 +105,11 @@
       </a:defRPr>
     </a:lvl9pPr>
   </p:defaultTextStyle>
+  <p:extLst>
+    <p:ext uri="{EFAFB233-063F-42B5-8137-9DF3F51BA10A}">
+      <p15:sldGuideLst xmlns:p15="http://schemas.microsoft.com/office/powerpoint/2012/main"/>
+    </p:ext>
+  </p:extLst>
 </p:presentation>
 </file>
 
@@ -7170,7 +7176,7 @@
         </p:nvGrpSpPr>
         <p:grpSpPr>
           <a:xfrm>
-            <a:off x="-732773" y="-232587"/>
+            <a:off x="-701574" y="384790"/>
             <a:ext cx="6172200" cy="3857626"/>
             <a:chOff x="176403" y="492443"/>
             <a:chExt cx="6172200" cy="3857626"/>
@@ -9420,6 +9426,96 @@
 </p:sld>
 </file>
 
+<file path=ppt/slides/slide2.xml><?xml version="1.0" encoding="utf-8"?>
+<p:sld xmlns:a="http://schemas.openxmlformats.org/drawingml/2006/main" xmlns:r="http://schemas.openxmlformats.org/officeDocument/2006/relationships" xmlns:p="http://schemas.openxmlformats.org/presentationml/2006/main">
+  <p:cSld>
+    <p:spTree>
+      <p:nvGrpSpPr>
+        <p:cNvPr id="1" name=""/>
+        <p:cNvGrpSpPr/>
+        <p:nvPr/>
+      </p:nvGrpSpPr>
+      <p:grpSpPr>
+        <a:xfrm>
+          <a:off x="0" y="0"/>
+          <a:ext cx="0" cy="0"/>
+          <a:chOff x="0" y="0"/>
+          <a:chExt cx="0" cy="0"/>
+        </a:xfrm>
+      </p:grpSpPr>
+      <p:pic>
+        <p:nvPicPr>
+          <p:cNvPr id="45" name="Picture 44" descr="A picture containing ball&#10;&#10;Description automatically generated">
+            <a:extLst>
+              <a:ext uri="{FF2B5EF4-FFF2-40B4-BE49-F238E27FC236}">
+                <a16:creationId xmlns:a16="http://schemas.microsoft.com/office/drawing/2014/main" id="{FC0D0FD9-6C9E-DC4F-99C6-DAB90E56BF40}"/>
+              </a:ext>
+            </a:extLst>
+          </p:cNvPr>
+          <p:cNvPicPr>
+            <a:picLocks noChangeAspect="1"/>
+          </p:cNvPicPr>
+          <p:nvPr/>
+        </p:nvPicPr>
+        <p:blipFill>
+          <a:blip r:embed="rId2"/>
+          <a:stretch>
+            <a:fillRect/>
+          </a:stretch>
+        </p:blipFill>
+        <p:spPr>
+          <a:xfrm>
+            <a:off x="9431338" y="2657550"/>
+            <a:ext cx="1638975" cy="1023937"/>
+          </a:xfrm>
+          <a:prstGeom prst="rect">
+            <a:avLst/>
+          </a:prstGeom>
+        </p:spPr>
+      </p:pic>
+      <p:pic>
+        <p:nvPicPr>
+          <p:cNvPr id="47" name="Picture 46" descr="A picture containing clock, drawing&#10;&#10;Description automatically generated">
+            <a:extLst>
+              <a:ext uri="{FF2B5EF4-FFF2-40B4-BE49-F238E27FC236}">
+                <a16:creationId xmlns:a16="http://schemas.microsoft.com/office/drawing/2014/main" id="{FFBE8BE2-82CD-CC46-B227-1F32F672B0CD}"/>
+              </a:ext>
+            </a:extLst>
+          </p:cNvPr>
+          <p:cNvPicPr>
+            <a:picLocks noChangeAspect="1"/>
+          </p:cNvPicPr>
+          <p:nvPr/>
+        </p:nvPicPr>
+        <p:blipFill>
+          <a:blip r:embed="rId3"/>
+          <a:stretch>
+            <a:fillRect/>
+          </a:stretch>
+        </p:blipFill>
+        <p:spPr>
+          <a:xfrm>
+            <a:off x="1771650" y="2121850"/>
+            <a:ext cx="1662630" cy="1047592"/>
+          </a:xfrm>
+          <a:prstGeom prst="rect">
+            <a:avLst/>
+          </a:prstGeom>
+        </p:spPr>
+      </p:pic>
+    </p:spTree>
+    <p:extLst>
+      <p:ext uri="{BB962C8B-B14F-4D97-AF65-F5344CB8AC3E}">
+        <p14:creationId xmlns:p14="http://schemas.microsoft.com/office/powerpoint/2010/main" val="189196125"/>
+      </p:ext>
+    </p:extLst>
+  </p:cSld>
+  <p:clrMapOvr>
+    <a:masterClrMapping/>
+  </p:clrMapOvr>
+</p:sld>
+</file>
+
 <file path=ppt/theme/theme1.xml><?xml version="1.0" encoding="utf-8"?>
 <a:theme xmlns:a="http://schemas.openxmlformats.org/drawingml/2006/main" name="Office Theme">
   <a:themeElements>

--- a/images.pptx
+++ b/images.pptx
@@ -9465,8 +9465,8 @@
         </p:blipFill>
         <p:spPr>
           <a:xfrm>
-            <a:off x="9431338" y="2657550"/>
-            <a:ext cx="1638975" cy="1023937"/>
+            <a:off x="9431338" y="3167137"/>
+            <a:ext cx="823299" cy="514350"/>
           </a:xfrm>
           <a:prstGeom prst="rect">
             <a:avLst/>
@@ -9495,8 +9495,158 @@
         </p:blipFill>
         <p:spPr>
           <a:xfrm>
-            <a:off x="1771650" y="2121850"/>
-            <a:ext cx="1662630" cy="1047592"/>
+            <a:off x="1771650" y="2643208"/>
+            <a:ext cx="835183" cy="526233"/>
+          </a:xfrm>
+          <a:prstGeom prst="rect">
+            <a:avLst/>
+          </a:prstGeom>
+        </p:spPr>
+      </p:pic>
+      <p:pic>
+        <p:nvPicPr>
+          <p:cNvPr id="49" name="Picture 48" descr="A picture containing pallette&#10;&#10;Description automatically generated">
+            <a:extLst>
+              <a:ext uri="{FF2B5EF4-FFF2-40B4-BE49-F238E27FC236}">
+                <a16:creationId xmlns:a16="http://schemas.microsoft.com/office/drawing/2014/main" id="{31222C9C-9FE4-1B4E-8CCC-3F4671EA21BB}"/>
+              </a:ext>
+            </a:extLst>
+          </p:cNvPr>
+          <p:cNvPicPr>
+            <a:picLocks noChangeAspect="1"/>
+          </p:cNvPicPr>
+          <p:nvPr/>
+        </p:nvPicPr>
+        <p:blipFill>
+          <a:blip r:embed="rId4"/>
+          <a:stretch>
+            <a:fillRect/>
+          </a:stretch>
+        </p:blipFill>
+        <p:spPr>
+          <a:xfrm flipH="1">
+            <a:off x="1121687" y="2902861"/>
+            <a:ext cx="421363" cy="421363"/>
+          </a:xfrm>
+          <a:prstGeom prst="rect">
+            <a:avLst/>
+          </a:prstGeom>
+        </p:spPr>
+      </p:pic>
+      <p:pic>
+        <p:nvPicPr>
+          <p:cNvPr id="50" name="Picture 49" descr="A picture containing pallette&#10;&#10;Description automatically generated">
+            <a:extLst>
+              <a:ext uri="{FF2B5EF4-FFF2-40B4-BE49-F238E27FC236}">
+                <a16:creationId xmlns:a16="http://schemas.microsoft.com/office/drawing/2014/main" id="{B7D4398A-7309-794E-B297-1E1171A15BF7}"/>
+              </a:ext>
+            </a:extLst>
+          </p:cNvPr>
+          <p:cNvPicPr>
+            <a:picLocks noChangeAspect="1"/>
+          </p:cNvPicPr>
+          <p:nvPr/>
+        </p:nvPicPr>
+        <p:blipFill>
+          <a:blip r:embed="rId4"/>
+          <a:stretch>
+            <a:fillRect/>
+          </a:stretch>
+        </p:blipFill>
+        <p:spPr>
+          <a:xfrm flipH="1">
+            <a:off x="700324" y="3324224"/>
+            <a:ext cx="421363" cy="421363"/>
+          </a:xfrm>
+          <a:prstGeom prst="rect">
+            <a:avLst/>
+          </a:prstGeom>
+        </p:spPr>
+      </p:pic>
+      <p:pic>
+        <p:nvPicPr>
+          <p:cNvPr id="51" name="Picture 50" descr="A picture containing pallette&#10;&#10;Description automatically generated">
+            <a:extLst>
+              <a:ext uri="{FF2B5EF4-FFF2-40B4-BE49-F238E27FC236}">
+                <a16:creationId xmlns:a16="http://schemas.microsoft.com/office/drawing/2014/main" id="{92F71D86-81D6-B44D-A662-07AB0029566A}"/>
+              </a:ext>
+            </a:extLst>
+          </p:cNvPr>
+          <p:cNvPicPr>
+            <a:picLocks noChangeAspect="1"/>
+          </p:cNvPicPr>
+          <p:nvPr/>
+        </p:nvPicPr>
+        <p:blipFill>
+          <a:blip r:embed="rId4"/>
+          <a:stretch>
+            <a:fillRect/>
+          </a:stretch>
+        </p:blipFill>
+        <p:spPr>
+          <a:xfrm flipH="1">
+            <a:off x="511191" y="3956268"/>
+            <a:ext cx="421363" cy="421363"/>
+          </a:xfrm>
+          <a:prstGeom prst="rect">
+            <a:avLst/>
+          </a:prstGeom>
+        </p:spPr>
+      </p:pic>
+      <p:pic>
+        <p:nvPicPr>
+          <p:cNvPr id="52" name="Picture 51" descr="A picture containing pallette&#10;&#10;Description automatically generated">
+            <a:extLst>
+              <a:ext uri="{FF2B5EF4-FFF2-40B4-BE49-F238E27FC236}">
+                <a16:creationId xmlns:a16="http://schemas.microsoft.com/office/drawing/2014/main" id="{2C7FC8DE-83B0-084F-B2A4-BAF11EF366CF}"/>
+              </a:ext>
+            </a:extLst>
+          </p:cNvPr>
+          <p:cNvPicPr>
+            <a:picLocks noChangeAspect="1"/>
+          </p:cNvPicPr>
+          <p:nvPr/>
+        </p:nvPicPr>
+        <p:blipFill>
+          <a:blip r:embed="rId4"/>
+          <a:stretch>
+            <a:fillRect/>
+          </a:stretch>
+        </p:blipFill>
+        <p:spPr>
+          <a:xfrm flipH="1">
+            <a:off x="425701" y="4454724"/>
+            <a:ext cx="421363" cy="421363"/>
+          </a:xfrm>
+          <a:prstGeom prst="rect">
+            <a:avLst/>
+          </a:prstGeom>
+        </p:spPr>
+      </p:pic>
+      <p:pic>
+        <p:nvPicPr>
+          <p:cNvPr id="53" name="Picture 52" descr="A picture containing clock, drawing&#10;&#10;Description automatically generated">
+            <a:extLst>
+              <a:ext uri="{FF2B5EF4-FFF2-40B4-BE49-F238E27FC236}">
+                <a16:creationId xmlns:a16="http://schemas.microsoft.com/office/drawing/2014/main" id="{CD3DEB74-CCC0-7449-9020-E967C4D315A3}"/>
+              </a:ext>
+            </a:extLst>
+          </p:cNvPr>
+          <p:cNvPicPr>
+            <a:picLocks noChangeAspect="1"/>
+          </p:cNvPicPr>
+          <p:nvPr/>
+        </p:nvPicPr>
+        <p:blipFill>
+          <a:blip r:embed="rId3"/>
+          <a:stretch>
+            <a:fillRect/>
+          </a:stretch>
+        </p:blipFill>
+        <p:spPr>
+          <a:xfrm>
+            <a:off x="2066925" y="3337378"/>
+            <a:ext cx="835183" cy="526233"/>
           </a:xfrm>
           <a:prstGeom prst="rect">
             <a:avLst/>

--- a/images.pptx
+++ b/images.pptx
@@ -9645,7 +9645,7 @@
         </p:blipFill>
         <p:spPr>
           <a:xfrm>
-            <a:off x="2066925" y="3337378"/>
+            <a:off x="1498678" y="1179965"/>
             <a:ext cx="835183" cy="526233"/>
           </a:xfrm>
           <a:prstGeom prst="rect">

--- a/images.pptx
+++ b/images.pptx
@@ -262,7 +262,7 @@
           <a:p>
             <a:fld id="{EE8DB962-25C3-4841-BFE1-C83DCD61E1C9}" type="datetimeFigureOut">
               <a:rPr lang="en-JP" smtClean="0"/>
-              <a:t>2020/05/08</a:t>
+              <a:t>2020/05/10</a:t>
             </a:fld>
             <a:endParaRPr lang="en-JP"/>
           </a:p>
@@ -462,7 +462,7 @@
           <a:p>
             <a:fld id="{EE8DB962-25C3-4841-BFE1-C83DCD61E1C9}" type="datetimeFigureOut">
               <a:rPr lang="en-JP" smtClean="0"/>
-              <a:t>2020/05/08</a:t>
+              <a:t>2020/05/10</a:t>
             </a:fld>
             <a:endParaRPr lang="en-JP"/>
           </a:p>
@@ -672,7 +672,7 @@
           <a:p>
             <a:fld id="{EE8DB962-25C3-4841-BFE1-C83DCD61E1C9}" type="datetimeFigureOut">
               <a:rPr lang="en-JP" smtClean="0"/>
-              <a:t>2020/05/08</a:t>
+              <a:t>2020/05/10</a:t>
             </a:fld>
             <a:endParaRPr lang="en-JP"/>
           </a:p>
@@ -872,7 +872,7 @@
           <a:p>
             <a:fld id="{EE8DB962-25C3-4841-BFE1-C83DCD61E1C9}" type="datetimeFigureOut">
               <a:rPr lang="en-JP" smtClean="0"/>
-              <a:t>2020/05/08</a:t>
+              <a:t>2020/05/10</a:t>
             </a:fld>
             <a:endParaRPr lang="en-JP"/>
           </a:p>
@@ -1148,7 +1148,7 @@
           <a:p>
             <a:fld id="{EE8DB962-25C3-4841-BFE1-C83DCD61E1C9}" type="datetimeFigureOut">
               <a:rPr lang="en-JP" smtClean="0"/>
-              <a:t>2020/05/08</a:t>
+              <a:t>2020/05/10</a:t>
             </a:fld>
             <a:endParaRPr lang="en-JP"/>
           </a:p>
@@ -1416,7 +1416,7 @@
           <a:p>
             <a:fld id="{EE8DB962-25C3-4841-BFE1-C83DCD61E1C9}" type="datetimeFigureOut">
               <a:rPr lang="en-JP" smtClean="0"/>
-              <a:t>2020/05/08</a:t>
+              <a:t>2020/05/10</a:t>
             </a:fld>
             <a:endParaRPr lang="en-JP"/>
           </a:p>
@@ -1831,7 +1831,7 @@
           <a:p>
             <a:fld id="{EE8DB962-25C3-4841-BFE1-C83DCD61E1C9}" type="datetimeFigureOut">
               <a:rPr lang="en-JP" smtClean="0"/>
-              <a:t>2020/05/08</a:t>
+              <a:t>2020/05/10</a:t>
             </a:fld>
             <a:endParaRPr lang="en-JP"/>
           </a:p>
@@ -1973,7 +1973,7 @@
           <a:p>
             <a:fld id="{EE8DB962-25C3-4841-BFE1-C83DCD61E1C9}" type="datetimeFigureOut">
               <a:rPr lang="en-JP" smtClean="0"/>
-              <a:t>2020/05/08</a:t>
+              <a:t>2020/05/10</a:t>
             </a:fld>
             <a:endParaRPr lang="en-JP"/>
           </a:p>
@@ -2086,7 +2086,7 @@
           <a:p>
             <a:fld id="{EE8DB962-25C3-4841-BFE1-C83DCD61E1C9}" type="datetimeFigureOut">
               <a:rPr lang="en-JP" smtClean="0"/>
-              <a:t>2020/05/08</a:t>
+              <a:t>2020/05/10</a:t>
             </a:fld>
             <a:endParaRPr lang="en-JP"/>
           </a:p>
@@ -2399,7 +2399,7 @@
           <a:p>
             <a:fld id="{EE8DB962-25C3-4841-BFE1-C83DCD61E1C9}" type="datetimeFigureOut">
               <a:rPr lang="en-JP" smtClean="0"/>
-              <a:t>2020/05/08</a:t>
+              <a:t>2020/05/10</a:t>
             </a:fld>
             <a:endParaRPr lang="en-JP"/>
           </a:p>
@@ -2688,7 +2688,7 @@
           <a:p>
             <a:fld id="{EE8DB962-25C3-4841-BFE1-C83DCD61E1C9}" type="datetimeFigureOut">
               <a:rPr lang="en-JP" smtClean="0"/>
-              <a:t>2020/05/08</a:t>
+              <a:t>2020/05/10</a:t>
             </a:fld>
             <a:endParaRPr lang="en-JP"/>
           </a:p>
@@ -2931,7 +2931,7 @@
           <a:p>
             <a:fld id="{EE8DB962-25C3-4841-BFE1-C83DCD61E1C9}" type="datetimeFigureOut">
               <a:rPr lang="en-JP" smtClean="0"/>
-              <a:t>2020/05/08</a:t>
+              <a:t>2020/05/10</a:t>
             </a:fld>
             <a:endParaRPr lang="en-JP"/>
           </a:p>
@@ -9443,6 +9443,58 @@
           <a:chExt cx="0" cy="0"/>
         </a:xfrm>
       </p:grpSpPr>
+      <p:sp>
+        <p:nvSpPr>
+          <p:cNvPr id="3" name="Rectangle 2">
+            <a:extLst>
+              <a:ext uri="{FF2B5EF4-FFF2-40B4-BE49-F238E27FC236}">
+                <a16:creationId xmlns:a16="http://schemas.microsoft.com/office/drawing/2014/main" id="{AD94DA84-2456-9C48-B97E-8AF5F1C3B5CC}"/>
+              </a:ext>
+            </a:extLst>
+          </p:cNvPr>
+          <p:cNvSpPr/>
+          <p:nvPr/>
+        </p:nvSpPr>
+        <p:spPr>
+          <a:xfrm>
+            <a:off x="3970369" y="2313518"/>
+            <a:ext cx="3522134" cy="2591002"/>
+          </a:xfrm>
+          <a:prstGeom prst="rect">
+            <a:avLst/>
+          </a:prstGeom>
+          <a:solidFill>
+            <a:srgbClr val="AB7942"/>
+          </a:solidFill>
+          <a:ln>
+            <a:noFill/>
+          </a:ln>
+        </p:spPr>
+        <p:style>
+          <a:lnRef idx="2">
+            <a:schemeClr val="accent1">
+              <a:shade val="50000"/>
+            </a:schemeClr>
+          </a:lnRef>
+          <a:fillRef idx="1">
+            <a:schemeClr val="accent1"/>
+          </a:fillRef>
+          <a:effectRef idx="0">
+            <a:schemeClr val="accent1"/>
+          </a:effectRef>
+          <a:fontRef idx="minor">
+            <a:schemeClr val="lt1"/>
+          </a:fontRef>
+        </p:style>
+        <p:txBody>
+          <a:bodyPr rtlCol="0" anchor="ctr"/>
+          <a:lstStyle/>
+          <a:p>
+            <a:pPr algn="ctr"/>
+            <a:endParaRPr lang="en-JP"/>
+          </a:p>
+        </p:txBody>
+      </p:sp>
       <p:pic>
         <p:nvPicPr>
           <p:cNvPr id="45" name="Picture 44" descr="A picture containing ball&#10;&#10;Description automatically generated">
@@ -9465,7 +9517,7 @@
         </p:blipFill>
         <p:spPr>
           <a:xfrm>
-            <a:off x="9431338" y="3167137"/>
+            <a:off x="1628162" y="4454724"/>
             <a:ext cx="823299" cy="514350"/>
           </a:xfrm>
           <a:prstGeom prst="rect">
@@ -9653,6 +9705,2754 @@
           </a:prstGeom>
         </p:spPr>
       </p:pic>
+      <p:sp>
+        <p:nvSpPr>
+          <p:cNvPr id="4" name="Triangle 3">
+            <a:extLst>
+              <a:ext uri="{FF2B5EF4-FFF2-40B4-BE49-F238E27FC236}">
+                <a16:creationId xmlns:a16="http://schemas.microsoft.com/office/drawing/2014/main" id="{B7E1A2CB-2DB7-F942-A83A-1B83CD3D21ED}"/>
+              </a:ext>
+            </a:extLst>
+          </p:cNvPr>
+          <p:cNvSpPr/>
+          <p:nvPr/>
+        </p:nvSpPr>
+        <p:spPr>
+          <a:xfrm>
+            <a:off x="3970369" y="1133552"/>
+            <a:ext cx="3522134" cy="1179965"/>
+          </a:xfrm>
+          <a:prstGeom prst="triangle">
+            <a:avLst/>
+          </a:prstGeom>
+          <a:solidFill>
+            <a:srgbClr val="AB7942"/>
+          </a:solidFill>
+          <a:ln>
+            <a:noFill/>
+          </a:ln>
+        </p:spPr>
+        <p:style>
+          <a:lnRef idx="2">
+            <a:schemeClr val="accent1">
+              <a:shade val="50000"/>
+            </a:schemeClr>
+          </a:lnRef>
+          <a:fillRef idx="1">
+            <a:schemeClr val="accent1"/>
+          </a:fillRef>
+          <a:effectRef idx="0">
+            <a:schemeClr val="accent1"/>
+          </a:effectRef>
+          <a:fontRef idx="minor">
+            <a:schemeClr val="lt1"/>
+          </a:fontRef>
+        </p:style>
+        <p:txBody>
+          <a:bodyPr rtlCol="0" anchor="ctr"/>
+          <a:lstStyle/>
+          <a:p>
+            <a:pPr algn="ctr"/>
+            <a:endParaRPr lang="en-JP"/>
+          </a:p>
+        </p:txBody>
+      </p:sp>
+      <p:sp>
+        <p:nvSpPr>
+          <p:cNvPr id="56" name="Rectangle 55">
+            <a:extLst>
+              <a:ext uri="{FF2B5EF4-FFF2-40B4-BE49-F238E27FC236}">
+                <a16:creationId xmlns:a16="http://schemas.microsoft.com/office/drawing/2014/main" id="{D2D183E5-DB77-114C-A854-6978680B91FD}"/>
+              </a:ext>
+            </a:extLst>
+          </p:cNvPr>
+          <p:cNvSpPr/>
+          <p:nvPr/>
+        </p:nvSpPr>
+        <p:spPr>
+          <a:xfrm rot="3360042">
+            <a:off x="4124026" y="655514"/>
+            <a:ext cx="863475" cy="3210962"/>
+          </a:xfrm>
+          <a:prstGeom prst="rect">
+            <a:avLst/>
+          </a:prstGeom>
+          <a:solidFill>
+            <a:srgbClr val="AB7942"/>
+          </a:solidFill>
+          <a:ln>
+            <a:noFill/>
+          </a:ln>
+        </p:spPr>
+        <p:style>
+          <a:lnRef idx="2">
+            <a:schemeClr val="accent1">
+              <a:shade val="50000"/>
+            </a:schemeClr>
+          </a:lnRef>
+          <a:fillRef idx="1">
+            <a:schemeClr val="accent1"/>
+          </a:fillRef>
+          <a:effectRef idx="0">
+            <a:schemeClr val="accent1"/>
+          </a:effectRef>
+          <a:fontRef idx="minor">
+            <a:schemeClr val="lt1"/>
+          </a:fontRef>
+        </p:style>
+        <p:txBody>
+          <a:bodyPr rtlCol="0" anchor="ctr"/>
+          <a:lstStyle/>
+          <a:p>
+            <a:pPr algn="ctr"/>
+            <a:endParaRPr lang="en-JP"/>
+          </a:p>
+        </p:txBody>
+      </p:sp>
+      <p:sp>
+        <p:nvSpPr>
+          <p:cNvPr id="59" name="Rectangle 58">
+            <a:extLst>
+              <a:ext uri="{FF2B5EF4-FFF2-40B4-BE49-F238E27FC236}">
+                <a16:creationId xmlns:a16="http://schemas.microsoft.com/office/drawing/2014/main" id="{2EC0D221-BBC8-1943-8DDA-BDCE84315BB9}"/>
+              </a:ext>
+            </a:extLst>
+          </p:cNvPr>
+          <p:cNvSpPr/>
+          <p:nvPr/>
+        </p:nvSpPr>
+        <p:spPr>
+          <a:xfrm rot="18257039">
+            <a:off x="6289489" y="667315"/>
+            <a:ext cx="863475" cy="3210962"/>
+          </a:xfrm>
+          <a:prstGeom prst="rect">
+            <a:avLst/>
+          </a:prstGeom>
+          <a:solidFill>
+            <a:srgbClr val="AB7942"/>
+          </a:solidFill>
+          <a:ln>
+            <a:noFill/>
+          </a:ln>
+        </p:spPr>
+        <p:style>
+          <a:lnRef idx="2">
+            <a:schemeClr val="accent1">
+              <a:shade val="50000"/>
+            </a:schemeClr>
+          </a:lnRef>
+          <a:fillRef idx="1">
+            <a:schemeClr val="accent1"/>
+          </a:fillRef>
+          <a:effectRef idx="0">
+            <a:schemeClr val="accent1"/>
+          </a:effectRef>
+          <a:fontRef idx="minor">
+            <a:schemeClr val="lt1"/>
+          </a:fontRef>
+        </p:style>
+        <p:txBody>
+          <a:bodyPr rtlCol="0" anchor="ctr"/>
+          <a:lstStyle/>
+          <a:p>
+            <a:pPr algn="ctr"/>
+            <a:endParaRPr lang="en-JP"/>
+          </a:p>
+        </p:txBody>
+      </p:sp>
+      <p:grpSp>
+        <p:nvGrpSpPr>
+          <p:cNvPr id="60" name="Group 59">
+            <a:extLst>
+              <a:ext uri="{FF2B5EF4-FFF2-40B4-BE49-F238E27FC236}">
+                <a16:creationId xmlns:a16="http://schemas.microsoft.com/office/drawing/2014/main" id="{398E2891-3B9F-8A45-A5E5-F1567BE2AFB0}"/>
+              </a:ext>
+            </a:extLst>
+          </p:cNvPr>
+          <p:cNvGrpSpPr/>
+          <p:nvPr/>
+        </p:nvGrpSpPr>
+        <p:grpSpPr>
+          <a:xfrm>
+            <a:off x="4590164" y="2832697"/>
+            <a:ext cx="2279947" cy="1367969"/>
+            <a:chOff x="176403" y="492443"/>
+            <a:chExt cx="3857625" cy="2314576"/>
+          </a:xfrm>
+          <a:solidFill>
+            <a:srgbClr val="DEB887"/>
+          </a:solidFill>
+        </p:grpSpPr>
+        <p:sp>
+          <p:nvSpPr>
+            <p:cNvPr id="61" name="Rectangle 60">
+              <a:extLst>
+                <a:ext uri="{FF2B5EF4-FFF2-40B4-BE49-F238E27FC236}">
+                  <a16:creationId xmlns:a16="http://schemas.microsoft.com/office/drawing/2014/main" id="{FC5093B6-9E5B-1C4E-BEDE-DCF22E6E257B}"/>
+                </a:ext>
+              </a:extLst>
+            </p:cNvPr>
+            <p:cNvSpPr/>
+            <p:nvPr/>
+          </p:nvSpPr>
+          <p:spPr>
+            <a:xfrm>
+              <a:off x="947928" y="492443"/>
+              <a:ext cx="771525" cy="771525"/>
+            </a:xfrm>
+            <a:prstGeom prst="rect">
+              <a:avLst/>
+            </a:prstGeom>
+            <a:grpFill/>
+            <a:ln>
+              <a:noFill/>
+            </a:ln>
+          </p:spPr>
+          <p:style>
+            <a:lnRef idx="2">
+              <a:schemeClr val="accent1">
+                <a:shade val="50000"/>
+              </a:schemeClr>
+            </a:lnRef>
+            <a:fillRef idx="1">
+              <a:schemeClr val="accent1"/>
+            </a:fillRef>
+            <a:effectRef idx="0">
+              <a:schemeClr val="accent1"/>
+            </a:effectRef>
+            <a:fontRef idx="minor">
+              <a:schemeClr val="lt1"/>
+            </a:fontRef>
+          </p:style>
+          <p:txBody>
+            <a:bodyPr rtlCol="0" anchor="ctr"/>
+            <a:lstStyle/>
+            <a:p>
+              <a:pPr algn="ctr"/>
+              <a:endParaRPr lang="en-JP"/>
+            </a:p>
+          </p:txBody>
+        </p:sp>
+        <p:sp>
+          <p:nvSpPr>
+            <p:cNvPr id="62" name="Rectangle 61">
+              <a:extLst>
+                <a:ext uri="{FF2B5EF4-FFF2-40B4-BE49-F238E27FC236}">
+                  <a16:creationId xmlns:a16="http://schemas.microsoft.com/office/drawing/2014/main" id="{495799A7-2A0A-6F46-9910-8D4E6DB10B65}"/>
+                </a:ext>
+              </a:extLst>
+            </p:cNvPr>
+            <p:cNvSpPr/>
+            <p:nvPr/>
+          </p:nvSpPr>
+          <p:spPr>
+            <a:xfrm>
+              <a:off x="176403" y="1263968"/>
+              <a:ext cx="771525" cy="771525"/>
+            </a:xfrm>
+            <a:prstGeom prst="rect">
+              <a:avLst/>
+            </a:prstGeom>
+            <a:grpFill/>
+            <a:ln>
+              <a:noFill/>
+            </a:ln>
+          </p:spPr>
+          <p:style>
+            <a:lnRef idx="2">
+              <a:schemeClr val="accent1">
+                <a:shade val="50000"/>
+              </a:schemeClr>
+            </a:lnRef>
+            <a:fillRef idx="1">
+              <a:schemeClr val="accent1"/>
+            </a:fillRef>
+            <a:effectRef idx="0">
+              <a:schemeClr val="accent1"/>
+            </a:effectRef>
+            <a:fontRef idx="minor">
+              <a:schemeClr val="lt1"/>
+            </a:fontRef>
+          </p:style>
+          <p:txBody>
+            <a:bodyPr rtlCol="0" anchor="ctr"/>
+            <a:lstStyle/>
+            <a:p>
+              <a:pPr algn="ctr"/>
+              <a:endParaRPr lang="en-JP"/>
+            </a:p>
+          </p:txBody>
+        </p:sp>
+        <p:sp>
+          <p:nvSpPr>
+            <p:cNvPr id="63" name="Rectangle 62">
+              <a:extLst>
+                <a:ext uri="{FF2B5EF4-FFF2-40B4-BE49-F238E27FC236}">
+                  <a16:creationId xmlns:a16="http://schemas.microsoft.com/office/drawing/2014/main" id="{7BB942F3-6CD1-1D40-BB7D-C66740358A12}"/>
+                </a:ext>
+              </a:extLst>
+            </p:cNvPr>
+            <p:cNvSpPr/>
+            <p:nvPr/>
+          </p:nvSpPr>
+          <p:spPr>
+            <a:xfrm>
+              <a:off x="947928" y="1263968"/>
+              <a:ext cx="771525" cy="771525"/>
+            </a:xfrm>
+            <a:prstGeom prst="rect">
+              <a:avLst/>
+            </a:prstGeom>
+            <a:solidFill>
+              <a:srgbClr val="DEB887"/>
+            </a:solidFill>
+            <a:ln>
+              <a:noFill/>
+            </a:ln>
+          </p:spPr>
+          <p:style>
+            <a:lnRef idx="2">
+              <a:schemeClr val="accent1">
+                <a:shade val="50000"/>
+              </a:schemeClr>
+            </a:lnRef>
+            <a:fillRef idx="1">
+              <a:schemeClr val="accent1"/>
+            </a:fillRef>
+            <a:effectRef idx="0">
+              <a:schemeClr val="accent1"/>
+            </a:effectRef>
+            <a:fontRef idx="minor">
+              <a:schemeClr val="lt1"/>
+            </a:fontRef>
+          </p:style>
+          <p:txBody>
+            <a:bodyPr rtlCol="0" anchor="ctr"/>
+            <a:lstStyle/>
+            <a:p>
+              <a:pPr algn="ctr"/>
+              <a:endParaRPr lang="en-JP"/>
+            </a:p>
+          </p:txBody>
+        </p:sp>
+        <p:sp>
+          <p:nvSpPr>
+            <p:cNvPr id="64" name="Rectangle 63">
+              <a:extLst>
+                <a:ext uri="{FF2B5EF4-FFF2-40B4-BE49-F238E27FC236}">
+                  <a16:creationId xmlns:a16="http://schemas.microsoft.com/office/drawing/2014/main" id="{43076AF0-6636-DE40-A320-9BFC29E13FC2}"/>
+                </a:ext>
+              </a:extLst>
+            </p:cNvPr>
+            <p:cNvSpPr/>
+            <p:nvPr/>
+          </p:nvSpPr>
+          <p:spPr>
+            <a:xfrm>
+              <a:off x="176403" y="2035494"/>
+              <a:ext cx="771525" cy="771525"/>
+            </a:xfrm>
+            <a:prstGeom prst="rect">
+              <a:avLst/>
+            </a:prstGeom>
+            <a:grpFill/>
+            <a:ln>
+              <a:noFill/>
+            </a:ln>
+          </p:spPr>
+          <p:style>
+            <a:lnRef idx="2">
+              <a:schemeClr val="accent1">
+                <a:shade val="50000"/>
+              </a:schemeClr>
+            </a:lnRef>
+            <a:fillRef idx="1">
+              <a:schemeClr val="accent1"/>
+            </a:fillRef>
+            <a:effectRef idx="0">
+              <a:schemeClr val="accent1"/>
+            </a:effectRef>
+            <a:fontRef idx="minor">
+              <a:schemeClr val="lt1"/>
+            </a:fontRef>
+          </p:style>
+          <p:txBody>
+            <a:bodyPr rtlCol="0" anchor="ctr"/>
+            <a:lstStyle/>
+            <a:p>
+              <a:pPr algn="ctr"/>
+              <a:endParaRPr lang="en-JP" dirty="0"/>
+            </a:p>
+          </p:txBody>
+        </p:sp>
+        <p:sp>
+          <p:nvSpPr>
+            <p:cNvPr id="65" name="Rectangle 64">
+              <a:extLst>
+                <a:ext uri="{FF2B5EF4-FFF2-40B4-BE49-F238E27FC236}">
+                  <a16:creationId xmlns:a16="http://schemas.microsoft.com/office/drawing/2014/main" id="{EBF4D89A-8207-2344-B3CD-3E3C5946EAD2}"/>
+                </a:ext>
+              </a:extLst>
+            </p:cNvPr>
+            <p:cNvSpPr/>
+            <p:nvPr/>
+          </p:nvSpPr>
+          <p:spPr>
+            <a:xfrm>
+              <a:off x="947928" y="2035494"/>
+              <a:ext cx="771525" cy="771525"/>
+            </a:xfrm>
+            <a:prstGeom prst="rect">
+              <a:avLst/>
+            </a:prstGeom>
+            <a:grpFill/>
+            <a:ln>
+              <a:noFill/>
+            </a:ln>
+          </p:spPr>
+          <p:style>
+            <a:lnRef idx="2">
+              <a:schemeClr val="accent1">
+                <a:shade val="50000"/>
+              </a:schemeClr>
+            </a:lnRef>
+            <a:fillRef idx="1">
+              <a:schemeClr val="accent1"/>
+            </a:fillRef>
+            <a:effectRef idx="0">
+              <a:schemeClr val="accent1"/>
+            </a:effectRef>
+            <a:fontRef idx="minor">
+              <a:schemeClr val="lt1"/>
+            </a:fontRef>
+          </p:style>
+          <p:txBody>
+            <a:bodyPr rtlCol="0" anchor="ctr"/>
+            <a:lstStyle/>
+            <a:p>
+              <a:pPr algn="ctr"/>
+              <a:endParaRPr lang="en-JP"/>
+            </a:p>
+          </p:txBody>
+        </p:sp>
+        <p:sp>
+          <p:nvSpPr>
+            <p:cNvPr id="66" name="Rectangle 65">
+              <a:extLst>
+                <a:ext uri="{FF2B5EF4-FFF2-40B4-BE49-F238E27FC236}">
+                  <a16:creationId xmlns:a16="http://schemas.microsoft.com/office/drawing/2014/main" id="{C603F560-5A06-4B4F-A4BC-6EFCFE1E8B1A}"/>
+                </a:ext>
+              </a:extLst>
+            </p:cNvPr>
+            <p:cNvSpPr/>
+            <p:nvPr/>
+          </p:nvSpPr>
+          <p:spPr>
+            <a:xfrm>
+              <a:off x="2490978" y="492443"/>
+              <a:ext cx="771525" cy="771525"/>
+            </a:xfrm>
+            <a:prstGeom prst="rect">
+              <a:avLst/>
+            </a:prstGeom>
+            <a:grpFill/>
+            <a:ln>
+              <a:noFill/>
+            </a:ln>
+          </p:spPr>
+          <p:style>
+            <a:lnRef idx="2">
+              <a:schemeClr val="accent1">
+                <a:shade val="50000"/>
+              </a:schemeClr>
+            </a:lnRef>
+            <a:fillRef idx="1">
+              <a:schemeClr val="accent1"/>
+            </a:fillRef>
+            <a:effectRef idx="0">
+              <a:schemeClr val="accent1"/>
+            </a:effectRef>
+            <a:fontRef idx="minor">
+              <a:schemeClr val="lt1"/>
+            </a:fontRef>
+          </p:style>
+          <p:txBody>
+            <a:bodyPr rtlCol="0" anchor="ctr"/>
+            <a:lstStyle/>
+            <a:p>
+              <a:pPr algn="ctr"/>
+              <a:endParaRPr lang="en-JP"/>
+            </a:p>
+          </p:txBody>
+        </p:sp>
+        <p:sp>
+          <p:nvSpPr>
+            <p:cNvPr id="67" name="Rectangle 66">
+              <a:extLst>
+                <a:ext uri="{FF2B5EF4-FFF2-40B4-BE49-F238E27FC236}">
+                  <a16:creationId xmlns:a16="http://schemas.microsoft.com/office/drawing/2014/main" id="{CE16C823-1B42-8442-B2DB-69BAEBFE6B49}"/>
+                </a:ext>
+              </a:extLst>
+            </p:cNvPr>
+            <p:cNvSpPr/>
+            <p:nvPr/>
+          </p:nvSpPr>
+          <p:spPr>
+            <a:xfrm>
+              <a:off x="1719453" y="1263968"/>
+              <a:ext cx="771525" cy="771525"/>
+            </a:xfrm>
+            <a:prstGeom prst="rect">
+              <a:avLst/>
+            </a:prstGeom>
+            <a:grpFill/>
+            <a:ln>
+              <a:noFill/>
+            </a:ln>
+          </p:spPr>
+          <p:style>
+            <a:lnRef idx="2">
+              <a:schemeClr val="accent1">
+                <a:shade val="50000"/>
+              </a:schemeClr>
+            </a:lnRef>
+            <a:fillRef idx="1">
+              <a:schemeClr val="accent1"/>
+            </a:fillRef>
+            <a:effectRef idx="0">
+              <a:schemeClr val="accent1"/>
+            </a:effectRef>
+            <a:fontRef idx="minor">
+              <a:schemeClr val="lt1"/>
+            </a:fontRef>
+          </p:style>
+          <p:txBody>
+            <a:bodyPr rtlCol="0" anchor="ctr"/>
+            <a:lstStyle/>
+            <a:p>
+              <a:pPr algn="ctr"/>
+              <a:endParaRPr lang="en-JP"/>
+            </a:p>
+          </p:txBody>
+        </p:sp>
+        <p:sp>
+          <p:nvSpPr>
+            <p:cNvPr id="68" name="Rectangle 67">
+              <a:extLst>
+                <a:ext uri="{FF2B5EF4-FFF2-40B4-BE49-F238E27FC236}">
+                  <a16:creationId xmlns:a16="http://schemas.microsoft.com/office/drawing/2014/main" id="{832925F8-66C8-DF4C-B501-E2682F6933FE}"/>
+                </a:ext>
+              </a:extLst>
+            </p:cNvPr>
+            <p:cNvSpPr/>
+            <p:nvPr/>
+          </p:nvSpPr>
+          <p:spPr>
+            <a:xfrm>
+              <a:off x="2490978" y="1263968"/>
+              <a:ext cx="771525" cy="771525"/>
+            </a:xfrm>
+            <a:prstGeom prst="rect">
+              <a:avLst/>
+            </a:prstGeom>
+            <a:grpFill/>
+            <a:ln>
+              <a:noFill/>
+            </a:ln>
+          </p:spPr>
+          <p:style>
+            <a:lnRef idx="2">
+              <a:schemeClr val="accent1">
+                <a:shade val="50000"/>
+              </a:schemeClr>
+            </a:lnRef>
+            <a:fillRef idx="1">
+              <a:schemeClr val="accent1"/>
+            </a:fillRef>
+            <a:effectRef idx="0">
+              <a:schemeClr val="accent1"/>
+            </a:effectRef>
+            <a:fontRef idx="minor">
+              <a:schemeClr val="lt1"/>
+            </a:fontRef>
+          </p:style>
+          <p:txBody>
+            <a:bodyPr rtlCol="0" anchor="ctr"/>
+            <a:lstStyle/>
+            <a:p>
+              <a:pPr algn="ctr"/>
+              <a:endParaRPr lang="en-JP"/>
+            </a:p>
+          </p:txBody>
+        </p:sp>
+        <p:sp>
+          <p:nvSpPr>
+            <p:cNvPr id="69" name="Rectangle 68">
+              <a:extLst>
+                <a:ext uri="{FF2B5EF4-FFF2-40B4-BE49-F238E27FC236}">
+                  <a16:creationId xmlns:a16="http://schemas.microsoft.com/office/drawing/2014/main" id="{44A3CAFF-CA2F-A64D-AFA4-E388713DCACA}"/>
+                </a:ext>
+              </a:extLst>
+            </p:cNvPr>
+            <p:cNvSpPr/>
+            <p:nvPr/>
+          </p:nvSpPr>
+          <p:spPr>
+            <a:xfrm>
+              <a:off x="1719453" y="2035494"/>
+              <a:ext cx="771525" cy="771525"/>
+            </a:xfrm>
+            <a:prstGeom prst="rect">
+              <a:avLst/>
+            </a:prstGeom>
+            <a:grpFill/>
+            <a:ln>
+              <a:noFill/>
+            </a:ln>
+          </p:spPr>
+          <p:style>
+            <a:lnRef idx="2">
+              <a:schemeClr val="accent1">
+                <a:shade val="50000"/>
+              </a:schemeClr>
+            </a:lnRef>
+            <a:fillRef idx="1">
+              <a:schemeClr val="accent1"/>
+            </a:fillRef>
+            <a:effectRef idx="0">
+              <a:schemeClr val="accent1"/>
+            </a:effectRef>
+            <a:fontRef idx="minor">
+              <a:schemeClr val="lt1"/>
+            </a:fontRef>
+          </p:style>
+          <p:txBody>
+            <a:bodyPr rtlCol="0" anchor="ctr"/>
+            <a:lstStyle/>
+            <a:p>
+              <a:pPr algn="ctr"/>
+              <a:endParaRPr lang="en-JP"/>
+            </a:p>
+          </p:txBody>
+        </p:sp>
+        <p:sp>
+          <p:nvSpPr>
+            <p:cNvPr id="70" name="Rectangle 69">
+              <a:extLst>
+                <a:ext uri="{FF2B5EF4-FFF2-40B4-BE49-F238E27FC236}">
+                  <a16:creationId xmlns:a16="http://schemas.microsoft.com/office/drawing/2014/main" id="{6F4A585D-D83B-BF40-BD3C-E5BEA419E96A}"/>
+                </a:ext>
+              </a:extLst>
+            </p:cNvPr>
+            <p:cNvSpPr/>
+            <p:nvPr/>
+          </p:nvSpPr>
+          <p:spPr>
+            <a:xfrm>
+              <a:off x="2490978" y="2035494"/>
+              <a:ext cx="771525" cy="771525"/>
+            </a:xfrm>
+            <a:prstGeom prst="rect">
+              <a:avLst/>
+            </a:prstGeom>
+            <a:grpFill/>
+            <a:ln>
+              <a:noFill/>
+            </a:ln>
+          </p:spPr>
+          <p:style>
+            <a:lnRef idx="2">
+              <a:schemeClr val="accent1">
+                <a:shade val="50000"/>
+              </a:schemeClr>
+            </a:lnRef>
+            <a:fillRef idx="1">
+              <a:schemeClr val="accent1"/>
+            </a:fillRef>
+            <a:effectRef idx="0">
+              <a:schemeClr val="accent1"/>
+            </a:effectRef>
+            <a:fontRef idx="minor">
+              <a:schemeClr val="lt1"/>
+            </a:fontRef>
+          </p:style>
+          <p:txBody>
+            <a:bodyPr rtlCol="0" anchor="ctr"/>
+            <a:lstStyle/>
+            <a:p>
+              <a:pPr algn="ctr"/>
+              <a:endParaRPr lang="en-JP"/>
+            </a:p>
+          </p:txBody>
+        </p:sp>
+        <p:sp>
+          <p:nvSpPr>
+            <p:cNvPr id="71" name="Rectangle 70">
+              <a:extLst>
+                <a:ext uri="{FF2B5EF4-FFF2-40B4-BE49-F238E27FC236}">
+                  <a16:creationId xmlns:a16="http://schemas.microsoft.com/office/drawing/2014/main" id="{ED32EC03-842B-1E45-AA3C-30747360D7AC}"/>
+                </a:ext>
+              </a:extLst>
+            </p:cNvPr>
+            <p:cNvSpPr/>
+            <p:nvPr/>
+          </p:nvSpPr>
+          <p:spPr>
+            <a:xfrm>
+              <a:off x="3262503" y="1263968"/>
+              <a:ext cx="771525" cy="771525"/>
+            </a:xfrm>
+            <a:prstGeom prst="rect">
+              <a:avLst/>
+            </a:prstGeom>
+            <a:grpFill/>
+            <a:ln>
+              <a:noFill/>
+            </a:ln>
+          </p:spPr>
+          <p:style>
+            <a:lnRef idx="2">
+              <a:schemeClr val="accent1">
+                <a:shade val="50000"/>
+              </a:schemeClr>
+            </a:lnRef>
+            <a:fillRef idx="1">
+              <a:schemeClr val="accent1"/>
+            </a:fillRef>
+            <a:effectRef idx="0">
+              <a:schemeClr val="accent1"/>
+            </a:effectRef>
+            <a:fontRef idx="minor">
+              <a:schemeClr val="lt1"/>
+            </a:fontRef>
+          </p:style>
+          <p:txBody>
+            <a:bodyPr rtlCol="0" anchor="ctr"/>
+            <a:lstStyle/>
+            <a:p>
+              <a:pPr algn="ctr"/>
+              <a:endParaRPr lang="en-JP"/>
+            </a:p>
+          </p:txBody>
+        </p:sp>
+        <p:sp>
+          <p:nvSpPr>
+            <p:cNvPr id="72" name="Rectangle 71">
+              <a:extLst>
+                <a:ext uri="{FF2B5EF4-FFF2-40B4-BE49-F238E27FC236}">
+                  <a16:creationId xmlns:a16="http://schemas.microsoft.com/office/drawing/2014/main" id="{1A28B8E6-5D79-0B44-825D-942B3916E221}"/>
+                </a:ext>
+              </a:extLst>
+            </p:cNvPr>
+            <p:cNvSpPr/>
+            <p:nvPr/>
+          </p:nvSpPr>
+          <p:spPr>
+            <a:xfrm>
+              <a:off x="3262503" y="2035494"/>
+              <a:ext cx="771525" cy="771525"/>
+            </a:xfrm>
+            <a:prstGeom prst="rect">
+              <a:avLst/>
+            </a:prstGeom>
+            <a:grpFill/>
+            <a:ln>
+              <a:noFill/>
+            </a:ln>
+          </p:spPr>
+          <p:style>
+            <a:lnRef idx="2">
+              <a:schemeClr val="accent1">
+                <a:shade val="50000"/>
+              </a:schemeClr>
+            </a:lnRef>
+            <a:fillRef idx="1">
+              <a:schemeClr val="accent1"/>
+            </a:fillRef>
+            <a:effectRef idx="0">
+              <a:schemeClr val="accent1"/>
+            </a:effectRef>
+            <a:fontRef idx="minor">
+              <a:schemeClr val="lt1"/>
+            </a:fontRef>
+          </p:style>
+          <p:txBody>
+            <a:bodyPr rtlCol="0" anchor="ctr"/>
+            <a:lstStyle/>
+            <a:p>
+              <a:pPr algn="ctr"/>
+              <a:endParaRPr lang="en-JP"/>
+            </a:p>
+          </p:txBody>
+        </p:sp>
+        <p:sp>
+          <p:nvSpPr>
+            <p:cNvPr id="73" name="Oval 72">
+              <a:extLst>
+                <a:ext uri="{FF2B5EF4-FFF2-40B4-BE49-F238E27FC236}">
+                  <a16:creationId xmlns:a16="http://schemas.microsoft.com/office/drawing/2014/main" id="{3145BD2B-9493-2640-8624-B2C06C8CB34A}"/>
+                </a:ext>
+              </a:extLst>
+            </p:cNvPr>
+            <p:cNvSpPr/>
+            <p:nvPr/>
+          </p:nvSpPr>
+          <p:spPr>
+            <a:xfrm>
+              <a:off x="1238917" y="1599345"/>
+              <a:ext cx="214550" cy="214550"/>
+            </a:xfrm>
+            <a:custGeom>
+              <a:avLst/>
+              <a:gdLst>
+                <a:gd name="connsiteX0" fmla="*/ 0 w 126804"/>
+                <a:gd name="connsiteY0" fmla="*/ 63402 h 126804"/>
+                <a:gd name="connsiteX1" fmla="*/ 63402 w 126804"/>
+                <a:gd name="connsiteY1" fmla="*/ 0 h 126804"/>
+                <a:gd name="connsiteX2" fmla="*/ 126804 w 126804"/>
+                <a:gd name="connsiteY2" fmla="*/ 63402 h 126804"/>
+                <a:gd name="connsiteX3" fmla="*/ 63402 w 126804"/>
+                <a:gd name="connsiteY3" fmla="*/ 126804 h 126804"/>
+                <a:gd name="connsiteX4" fmla="*/ 0 w 126804"/>
+                <a:gd name="connsiteY4" fmla="*/ 63402 h 126804"/>
+              </a:gdLst>
+              <a:ahLst/>
+              <a:cxnLst>
+                <a:cxn ang="0">
+                  <a:pos x="connsiteX0" y="connsiteY0"/>
+                </a:cxn>
+                <a:cxn ang="0">
+                  <a:pos x="connsiteX1" y="connsiteY1"/>
+                </a:cxn>
+                <a:cxn ang="0">
+                  <a:pos x="connsiteX2" y="connsiteY2"/>
+                </a:cxn>
+                <a:cxn ang="0">
+                  <a:pos x="connsiteX3" y="connsiteY3"/>
+                </a:cxn>
+                <a:cxn ang="0">
+                  <a:pos x="connsiteX4" y="connsiteY4"/>
+                </a:cxn>
+              </a:cxnLst>
+              <a:rect l="l" t="t" r="r" b="b"/>
+              <a:pathLst>
+                <a:path w="126804" h="126804" fill="none" extrusionOk="0">
+                  <a:moveTo>
+                    <a:pt x="0" y="63402"/>
+                  </a:moveTo>
+                  <a:cubicBezTo>
+                    <a:pt x="2482" y="28680"/>
+                    <a:pt x="30910" y="-5195"/>
+                    <a:pt x="63402" y="0"/>
+                  </a:cubicBezTo>
+                  <a:cubicBezTo>
+                    <a:pt x="91162" y="-1111"/>
+                    <a:pt x="124463" y="30590"/>
+                    <a:pt x="126804" y="63402"/>
+                  </a:cubicBezTo>
+                  <a:cubicBezTo>
+                    <a:pt x="126521" y="95718"/>
+                    <a:pt x="94144" y="132744"/>
+                    <a:pt x="63402" y="126804"/>
+                  </a:cubicBezTo>
+                  <a:cubicBezTo>
+                    <a:pt x="31923" y="128784"/>
+                    <a:pt x="4000" y="99380"/>
+                    <a:pt x="0" y="63402"/>
+                  </a:cubicBezTo>
+                  <a:close/>
+                </a:path>
+                <a:path w="126804" h="126804" stroke="0" extrusionOk="0">
+                  <a:moveTo>
+                    <a:pt x="0" y="63402"/>
+                  </a:moveTo>
+                  <a:cubicBezTo>
+                    <a:pt x="-2077" y="27105"/>
+                    <a:pt x="26277" y="792"/>
+                    <a:pt x="63402" y="0"/>
+                  </a:cubicBezTo>
+                  <a:cubicBezTo>
+                    <a:pt x="106128" y="1623"/>
+                    <a:pt x="120418" y="28589"/>
+                    <a:pt x="126804" y="63402"/>
+                  </a:cubicBezTo>
+                  <a:cubicBezTo>
+                    <a:pt x="124327" y="100837"/>
+                    <a:pt x="98057" y="128799"/>
+                    <a:pt x="63402" y="126804"/>
+                  </a:cubicBezTo>
+                  <a:cubicBezTo>
+                    <a:pt x="23609" y="124191"/>
+                    <a:pt x="4847" y="100734"/>
+                    <a:pt x="0" y="63402"/>
+                  </a:cubicBezTo>
+                  <a:close/>
+                </a:path>
+              </a:pathLst>
+            </a:custGeom>
+            <a:solidFill>
+              <a:srgbClr val="AB7942"/>
+            </a:solidFill>
+            <a:ln>
+              <a:solidFill>
+                <a:srgbClr val="AB7942"/>
+              </a:solidFill>
+              <a:extLst>
+                <a:ext uri="{C807C97D-BFC1-408E-A445-0C87EB9F89A2}">
+                  <ask:lineSketchStyleProps xmlns:ask="http://schemas.microsoft.com/office/drawing/2018/sketchyshapes" sd="1219033472">
+                    <a:prstGeom prst="ellipse">
+                      <a:avLst/>
+                    </a:prstGeom>
+                    <ask:type>
+                      <ask:lineSketchFreehand/>
+                    </ask:type>
+                  </ask:lineSketchStyleProps>
+                </a:ext>
+              </a:extLst>
+            </a:ln>
+          </p:spPr>
+          <p:style>
+            <a:lnRef idx="2">
+              <a:schemeClr val="accent1">
+                <a:shade val="50000"/>
+              </a:schemeClr>
+            </a:lnRef>
+            <a:fillRef idx="1">
+              <a:schemeClr val="accent1"/>
+            </a:fillRef>
+            <a:effectRef idx="0">
+              <a:schemeClr val="accent1"/>
+            </a:effectRef>
+            <a:fontRef idx="minor">
+              <a:schemeClr val="lt1"/>
+            </a:fontRef>
+          </p:style>
+          <p:txBody>
+            <a:bodyPr rtlCol="0" anchor="ctr"/>
+            <a:lstStyle/>
+            <a:p>
+              <a:pPr algn="ctr"/>
+              <a:endParaRPr lang="en-JP"/>
+            </a:p>
+          </p:txBody>
+        </p:sp>
+        <p:sp>
+          <p:nvSpPr>
+            <p:cNvPr id="74" name="Oval 73">
+              <a:extLst>
+                <a:ext uri="{FF2B5EF4-FFF2-40B4-BE49-F238E27FC236}">
+                  <a16:creationId xmlns:a16="http://schemas.microsoft.com/office/drawing/2014/main" id="{0C220D58-EF00-2147-B87C-6F1A3A5D732F}"/>
+                </a:ext>
+              </a:extLst>
+            </p:cNvPr>
+            <p:cNvSpPr/>
+            <p:nvPr/>
+          </p:nvSpPr>
+          <p:spPr>
+            <a:xfrm>
+              <a:off x="2781967" y="1638634"/>
+              <a:ext cx="214550" cy="214550"/>
+            </a:xfrm>
+            <a:custGeom>
+              <a:avLst/>
+              <a:gdLst>
+                <a:gd name="connsiteX0" fmla="*/ 0 w 126804"/>
+                <a:gd name="connsiteY0" fmla="*/ 63402 h 126804"/>
+                <a:gd name="connsiteX1" fmla="*/ 63402 w 126804"/>
+                <a:gd name="connsiteY1" fmla="*/ 0 h 126804"/>
+                <a:gd name="connsiteX2" fmla="*/ 126804 w 126804"/>
+                <a:gd name="connsiteY2" fmla="*/ 63402 h 126804"/>
+                <a:gd name="connsiteX3" fmla="*/ 63402 w 126804"/>
+                <a:gd name="connsiteY3" fmla="*/ 126804 h 126804"/>
+                <a:gd name="connsiteX4" fmla="*/ 0 w 126804"/>
+                <a:gd name="connsiteY4" fmla="*/ 63402 h 126804"/>
+              </a:gdLst>
+              <a:ahLst/>
+              <a:cxnLst>
+                <a:cxn ang="0">
+                  <a:pos x="connsiteX0" y="connsiteY0"/>
+                </a:cxn>
+                <a:cxn ang="0">
+                  <a:pos x="connsiteX1" y="connsiteY1"/>
+                </a:cxn>
+                <a:cxn ang="0">
+                  <a:pos x="connsiteX2" y="connsiteY2"/>
+                </a:cxn>
+                <a:cxn ang="0">
+                  <a:pos x="connsiteX3" y="connsiteY3"/>
+                </a:cxn>
+                <a:cxn ang="0">
+                  <a:pos x="connsiteX4" y="connsiteY4"/>
+                </a:cxn>
+              </a:cxnLst>
+              <a:rect l="l" t="t" r="r" b="b"/>
+              <a:pathLst>
+                <a:path w="126804" h="126804" fill="none" extrusionOk="0">
+                  <a:moveTo>
+                    <a:pt x="0" y="63402"/>
+                  </a:moveTo>
+                  <a:cubicBezTo>
+                    <a:pt x="3215" y="25330"/>
+                    <a:pt x="31583" y="211"/>
+                    <a:pt x="63402" y="0"/>
+                  </a:cubicBezTo>
+                  <a:cubicBezTo>
+                    <a:pt x="102015" y="6148"/>
+                    <a:pt x="119709" y="28234"/>
+                    <a:pt x="126804" y="63402"/>
+                  </a:cubicBezTo>
+                  <a:cubicBezTo>
+                    <a:pt x="127751" y="98555"/>
+                    <a:pt x="92567" y="124134"/>
+                    <a:pt x="63402" y="126804"/>
+                  </a:cubicBezTo>
+                  <a:cubicBezTo>
+                    <a:pt x="20445" y="129174"/>
+                    <a:pt x="3625" y="93504"/>
+                    <a:pt x="0" y="63402"/>
+                  </a:cubicBezTo>
+                  <a:close/>
+                </a:path>
+                <a:path w="126804" h="126804" stroke="0" extrusionOk="0">
+                  <a:moveTo>
+                    <a:pt x="0" y="63402"/>
+                  </a:moveTo>
+                  <a:cubicBezTo>
+                    <a:pt x="-2330" y="32474"/>
+                    <a:pt x="24315" y="-1681"/>
+                    <a:pt x="63402" y="0"/>
+                  </a:cubicBezTo>
+                  <a:cubicBezTo>
+                    <a:pt x="106934" y="-1257"/>
+                    <a:pt x="125334" y="31064"/>
+                    <a:pt x="126804" y="63402"/>
+                  </a:cubicBezTo>
+                  <a:cubicBezTo>
+                    <a:pt x="120765" y="100436"/>
+                    <a:pt x="93801" y="132263"/>
+                    <a:pt x="63402" y="126804"/>
+                  </a:cubicBezTo>
+                  <a:cubicBezTo>
+                    <a:pt x="30182" y="125641"/>
+                    <a:pt x="-887" y="98621"/>
+                    <a:pt x="0" y="63402"/>
+                  </a:cubicBezTo>
+                  <a:close/>
+                </a:path>
+              </a:pathLst>
+            </a:custGeom>
+            <a:solidFill>
+              <a:srgbClr val="AB7942"/>
+            </a:solidFill>
+            <a:ln>
+              <a:solidFill>
+                <a:srgbClr val="AB7942"/>
+              </a:solidFill>
+              <a:extLst>
+                <a:ext uri="{C807C97D-BFC1-408E-A445-0C87EB9F89A2}">
+                  <ask:lineSketchStyleProps xmlns:ask="http://schemas.microsoft.com/office/drawing/2018/sketchyshapes" sd="981765707">
+                    <a:prstGeom prst="ellipse">
+                      <a:avLst/>
+                    </a:prstGeom>
+                    <ask:type>
+                      <ask:lineSketchFreehand/>
+                    </ask:type>
+                  </ask:lineSketchStyleProps>
+                </a:ext>
+              </a:extLst>
+            </a:ln>
+          </p:spPr>
+          <p:style>
+            <a:lnRef idx="2">
+              <a:schemeClr val="accent1">
+                <a:shade val="50000"/>
+              </a:schemeClr>
+            </a:lnRef>
+            <a:fillRef idx="1">
+              <a:schemeClr val="accent1"/>
+            </a:fillRef>
+            <a:effectRef idx="0">
+              <a:schemeClr val="accent1"/>
+            </a:effectRef>
+            <a:fontRef idx="minor">
+              <a:schemeClr val="lt1"/>
+            </a:fontRef>
+          </p:style>
+          <p:txBody>
+            <a:bodyPr rtlCol="0" anchor="ctr"/>
+            <a:lstStyle/>
+            <a:p>
+              <a:pPr algn="ctr"/>
+              <a:endParaRPr lang="en-JP"/>
+            </a:p>
+          </p:txBody>
+        </p:sp>
+        <p:cxnSp>
+          <p:nvCxnSpPr>
+            <p:cNvPr id="75" name="Straight Connector 74">
+              <a:extLst>
+                <a:ext uri="{FF2B5EF4-FFF2-40B4-BE49-F238E27FC236}">
+                  <a16:creationId xmlns:a16="http://schemas.microsoft.com/office/drawing/2014/main" id="{2FD7364B-4E9C-BB40-BFB0-0572FBEA0998}"/>
+                </a:ext>
+              </a:extLst>
+            </p:cNvPr>
+            <p:cNvCxnSpPr>
+              <a:cxnSpLocks/>
+            </p:cNvCxnSpPr>
+            <p:nvPr/>
+          </p:nvCxnSpPr>
+          <p:spPr>
+            <a:xfrm>
+              <a:off x="391477" y="2218944"/>
+              <a:ext cx="432435" cy="0"/>
+            </a:xfrm>
+            <a:prstGeom prst="line">
+              <a:avLst/>
+            </a:prstGeom>
+            <a:grpFill/>
+            <a:ln w="19050">
+              <a:solidFill>
+                <a:srgbClr val="AB7942"/>
+              </a:solidFill>
+            </a:ln>
+          </p:spPr>
+          <p:style>
+            <a:lnRef idx="1">
+              <a:schemeClr val="accent1"/>
+            </a:lnRef>
+            <a:fillRef idx="0">
+              <a:schemeClr val="accent1"/>
+            </a:fillRef>
+            <a:effectRef idx="0">
+              <a:schemeClr val="accent1"/>
+            </a:effectRef>
+            <a:fontRef idx="minor">
+              <a:schemeClr val="tx1"/>
+            </a:fontRef>
+          </p:style>
+        </p:cxnSp>
+        <p:cxnSp>
+          <p:nvCxnSpPr>
+            <p:cNvPr id="76" name="Straight Connector 75">
+              <a:extLst>
+                <a:ext uri="{FF2B5EF4-FFF2-40B4-BE49-F238E27FC236}">
+                  <a16:creationId xmlns:a16="http://schemas.microsoft.com/office/drawing/2014/main" id="{24BD6616-48D6-9043-9AE4-C34DA6829473}"/>
+                </a:ext>
+              </a:extLst>
+            </p:cNvPr>
+            <p:cNvCxnSpPr>
+              <a:cxnSpLocks/>
+            </p:cNvCxnSpPr>
+            <p:nvPr/>
+          </p:nvCxnSpPr>
+          <p:spPr>
+            <a:xfrm>
+              <a:off x="391476" y="2392680"/>
+              <a:ext cx="432435" cy="0"/>
+            </a:xfrm>
+            <a:prstGeom prst="line">
+              <a:avLst/>
+            </a:prstGeom>
+            <a:grpFill/>
+            <a:ln w="19050">
+              <a:solidFill>
+                <a:srgbClr val="AB7942"/>
+              </a:solidFill>
+            </a:ln>
+          </p:spPr>
+          <p:style>
+            <a:lnRef idx="1">
+              <a:schemeClr val="accent1"/>
+            </a:lnRef>
+            <a:fillRef idx="0">
+              <a:schemeClr val="accent1"/>
+            </a:fillRef>
+            <a:effectRef idx="0">
+              <a:schemeClr val="accent1"/>
+            </a:effectRef>
+            <a:fontRef idx="minor">
+              <a:schemeClr val="tx1"/>
+            </a:fontRef>
+          </p:style>
+        </p:cxnSp>
+        <p:cxnSp>
+          <p:nvCxnSpPr>
+            <p:cNvPr id="77" name="Straight Connector 76">
+              <a:extLst>
+                <a:ext uri="{FF2B5EF4-FFF2-40B4-BE49-F238E27FC236}">
+                  <a16:creationId xmlns:a16="http://schemas.microsoft.com/office/drawing/2014/main" id="{ACD908A9-5B38-1D46-BA9B-8408505E8D01}"/>
+                </a:ext>
+              </a:extLst>
+            </p:cNvPr>
+            <p:cNvCxnSpPr>
+              <a:cxnSpLocks/>
+            </p:cNvCxnSpPr>
+            <p:nvPr/>
+          </p:nvCxnSpPr>
+          <p:spPr>
+            <a:xfrm>
+              <a:off x="391476" y="2557272"/>
+              <a:ext cx="432435" cy="0"/>
+            </a:xfrm>
+            <a:prstGeom prst="line">
+              <a:avLst/>
+            </a:prstGeom>
+            <a:grpFill/>
+            <a:ln w="19050">
+              <a:solidFill>
+                <a:srgbClr val="AB7942"/>
+              </a:solidFill>
+            </a:ln>
+          </p:spPr>
+          <p:style>
+            <a:lnRef idx="1">
+              <a:schemeClr val="accent1"/>
+            </a:lnRef>
+            <a:fillRef idx="0">
+              <a:schemeClr val="accent1"/>
+            </a:fillRef>
+            <a:effectRef idx="0">
+              <a:schemeClr val="accent1"/>
+            </a:effectRef>
+            <a:fontRef idx="minor">
+              <a:schemeClr val="tx1"/>
+            </a:fontRef>
+          </p:style>
+        </p:cxnSp>
+        <p:cxnSp>
+          <p:nvCxnSpPr>
+            <p:cNvPr id="78" name="Straight Connector 77">
+              <a:extLst>
+                <a:ext uri="{FF2B5EF4-FFF2-40B4-BE49-F238E27FC236}">
+                  <a16:creationId xmlns:a16="http://schemas.microsoft.com/office/drawing/2014/main" id="{87243C4E-DEC9-EC4C-B4CE-F87AE95D36D9}"/>
+                </a:ext>
+              </a:extLst>
+            </p:cNvPr>
+            <p:cNvCxnSpPr>
+              <a:cxnSpLocks/>
+            </p:cNvCxnSpPr>
+            <p:nvPr/>
+          </p:nvCxnSpPr>
+          <p:spPr>
+            <a:xfrm>
+              <a:off x="3389376" y="2218944"/>
+              <a:ext cx="432435" cy="0"/>
+            </a:xfrm>
+            <a:prstGeom prst="line">
+              <a:avLst/>
+            </a:prstGeom>
+            <a:grpFill/>
+            <a:ln w="19050">
+              <a:solidFill>
+                <a:srgbClr val="AB7942"/>
+              </a:solidFill>
+            </a:ln>
+          </p:spPr>
+          <p:style>
+            <a:lnRef idx="1">
+              <a:schemeClr val="accent1"/>
+            </a:lnRef>
+            <a:fillRef idx="0">
+              <a:schemeClr val="accent1"/>
+            </a:fillRef>
+            <a:effectRef idx="0">
+              <a:schemeClr val="accent1"/>
+            </a:effectRef>
+            <a:fontRef idx="minor">
+              <a:schemeClr val="tx1"/>
+            </a:fontRef>
+          </p:style>
+        </p:cxnSp>
+        <p:cxnSp>
+          <p:nvCxnSpPr>
+            <p:cNvPr id="79" name="Straight Connector 78">
+              <a:extLst>
+                <a:ext uri="{FF2B5EF4-FFF2-40B4-BE49-F238E27FC236}">
+                  <a16:creationId xmlns:a16="http://schemas.microsoft.com/office/drawing/2014/main" id="{09D3FD6D-3ABF-E849-89DA-39AC9583FAAC}"/>
+                </a:ext>
+              </a:extLst>
+            </p:cNvPr>
+            <p:cNvCxnSpPr>
+              <a:cxnSpLocks/>
+            </p:cNvCxnSpPr>
+            <p:nvPr/>
+          </p:nvCxnSpPr>
+          <p:spPr>
+            <a:xfrm>
+              <a:off x="3389375" y="2392680"/>
+              <a:ext cx="432435" cy="0"/>
+            </a:xfrm>
+            <a:prstGeom prst="line">
+              <a:avLst/>
+            </a:prstGeom>
+            <a:grpFill/>
+            <a:ln w="19050">
+              <a:solidFill>
+                <a:srgbClr val="AB7942"/>
+              </a:solidFill>
+            </a:ln>
+          </p:spPr>
+          <p:style>
+            <a:lnRef idx="1">
+              <a:schemeClr val="accent1"/>
+            </a:lnRef>
+            <a:fillRef idx="0">
+              <a:schemeClr val="accent1"/>
+            </a:fillRef>
+            <a:effectRef idx="0">
+              <a:schemeClr val="accent1"/>
+            </a:effectRef>
+            <a:fontRef idx="minor">
+              <a:schemeClr val="tx1"/>
+            </a:fontRef>
+          </p:style>
+        </p:cxnSp>
+        <p:cxnSp>
+          <p:nvCxnSpPr>
+            <p:cNvPr id="80" name="Straight Connector 79">
+              <a:extLst>
+                <a:ext uri="{FF2B5EF4-FFF2-40B4-BE49-F238E27FC236}">
+                  <a16:creationId xmlns:a16="http://schemas.microsoft.com/office/drawing/2014/main" id="{4845BECE-15DC-DA40-A222-A092CD3DEEE9}"/>
+                </a:ext>
+              </a:extLst>
+            </p:cNvPr>
+            <p:cNvCxnSpPr>
+              <a:cxnSpLocks/>
+            </p:cNvCxnSpPr>
+            <p:nvPr/>
+          </p:nvCxnSpPr>
+          <p:spPr>
+            <a:xfrm>
+              <a:off x="3389375" y="2557272"/>
+              <a:ext cx="432435" cy="0"/>
+            </a:xfrm>
+            <a:prstGeom prst="line">
+              <a:avLst/>
+            </a:prstGeom>
+            <a:grpFill/>
+            <a:ln w="19050">
+              <a:solidFill>
+                <a:srgbClr val="AB7942"/>
+              </a:solidFill>
+            </a:ln>
+          </p:spPr>
+          <p:style>
+            <a:lnRef idx="1">
+              <a:schemeClr val="accent1"/>
+            </a:lnRef>
+            <a:fillRef idx="0">
+              <a:schemeClr val="accent1"/>
+            </a:fillRef>
+            <a:effectRef idx="0">
+              <a:schemeClr val="accent1"/>
+            </a:effectRef>
+            <a:fontRef idx="minor">
+              <a:schemeClr val="tx1"/>
+            </a:fontRef>
+          </p:style>
+        </p:cxnSp>
+      </p:grpSp>
+      <p:sp>
+        <p:nvSpPr>
+          <p:cNvPr id="81" name="Rectangle 80">
+            <a:extLst>
+              <a:ext uri="{FF2B5EF4-FFF2-40B4-BE49-F238E27FC236}">
+                <a16:creationId xmlns:a16="http://schemas.microsoft.com/office/drawing/2014/main" id="{FD784A5D-FD29-6C47-B9D6-96EFE42C6B30}"/>
+              </a:ext>
+            </a:extLst>
+          </p:cNvPr>
+          <p:cNvSpPr/>
+          <p:nvPr/>
+        </p:nvSpPr>
+        <p:spPr>
+          <a:xfrm>
+            <a:off x="8617076" y="3935545"/>
+            <a:ext cx="3522134" cy="2591002"/>
+          </a:xfrm>
+          <a:prstGeom prst="rect">
+            <a:avLst/>
+          </a:prstGeom>
+          <a:solidFill>
+            <a:srgbClr val="AB7942"/>
+          </a:solidFill>
+          <a:ln>
+            <a:noFill/>
+          </a:ln>
+        </p:spPr>
+        <p:style>
+          <a:lnRef idx="2">
+            <a:schemeClr val="accent1">
+              <a:shade val="50000"/>
+            </a:schemeClr>
+          </a:lnRef>
+          <a:fillRef idx="1">
+            <a:schemeClr val="accent1"/>
+          </a:fillRef>
+          <a:effectRef idx="0">
+            <a:schemeClr val="accent1"/>
+          </a:effectRef>
+          <a:fontRef idx="minor">
+            <a:schemeClr val="lt1"/>
+          </a:fontRef>
+        </p:style>
+        <p:txBody>
+          <a:bodyPr rtlCol="0" anchor="ctr"/>
+          <a:lstStyle/>
+          <a:p>
+            <a:pPr algn="ctr"/>
+            <a:endParaRPr lang="en-JP"/>
+          </a:p>
+        </p:txBody>
+      </p:sp>
+      <p:sp>
+        <p:nvSpPr>
+          <p:cNvPr id="82" name="Triangle 81">
+            <a:extLst>
+              <a:ext uri="{FF2B5EF4-FFF2-40B4-BE49-F238E27FC236}">
+                <a16:creationId xmlns:a16="http://schemas.microsoft.com/office/drawing/2014/main" id="{00137C8A-F88A-9F45-9F66-6945C85EA8E7}"/>
+              </a:ext>
+            </a:extLst>
+          </p:cNvPr>
+          <p:cNvSpPr/>
+          <p:nvPr/>
+        </p:nvSpPr>
+        <p:spPr>
+          <a:xfrm>
+            <a:off x="8617076" y="2755579"/>
+            <a:ext cx="3522134" cy="1179965"/>
+          </a:xfrm>
+          <a:prstGeom prst="triangle">
+            <a:avLst/>
+          </a:prstGeom>
+          <a:solidFill>
+            <a:srgbClr val="AB7942"/>
+          </a:solidFill>
+          <a:ln>
+            <a:noFill/>
+          </a:ln>
+        </p:spPr>
+        <p:style>
+          <a:lnRef idx="2">
+            <a:schemeClr val="accent1">
+              <a:shade val="50000"/>
+            </a:schemeClr>
+          </a:lnRef>
+          <a:fillRef idx="1">
+            <a:schemeClr val="accent1"/>
+          </a:fillRef>
+          <a:effectRef idx="0">
+            <a:schemeClr val="accent1"/>
+          </a:effectRef>
+          <a:fontRef idx="minor">
+            <a:schemeClr val="lt1"/>
+          </a:fontRef>
+        </p:style>
+        <p:txBody>
+          <a:bodyPr rtlCol="0" anchor="ctr"/>
+          <a:lstStyle/>
+          <a:p>
+            <a:pPr algn="ctr"/>
+            <a:endParaRPr lang="en-JP"/>
+          </a:p>
+        </p:txBody>
+      </p:sp>
+      <p:sp>
+        <p:nvSpPr>
+          <p:cNvPr id="83" name="Rectangle 82">
+            <a:extLst>
+              <a:ext uri="{FF2B5EF4-FFF2-40B4-BE49-F238E27FC236}">
+                <a16:creationId xmlns:a16="http://schemas.microsoft.com/office/drawing/2014/main" id="{90879D85-AF8C-9948-AC1B-ED1109E43679}"/>
+              </a:ext>
+            </a:extLst>
+          </p:cNvPr>
+          <p:cNvSpPr/>
+          <p:nvPr/>
+        </p:nvSpPr>
+        <p:spPr>
+          <a:xfrm rot="3360042">
+            <a:off x="8770733" y="2277541"/>
+            <a:ext cx="863475" cy="3210962"/>
+          </a:xfrm>
+          <a:prstGeom prst="rect">
+            <a:avLst/>
+          </a:prstGeom>
+          <a:solidFill>
+            <a:srgbClr val="AB7942"/>
+          </a:solidFill>
+          <a:ln>
+            <a:noFill/>
+          </a:ln>
+        </p:spPr>
+        <p:style>
+          <a:lnRef idx="2">
+            <a:schemeClr val="accent1">
+              <a:shade val="50000"/>
+            </a:schemeClr>
+          </a:lnRef>
+          <a:fillRef idx="1">
+            <a:schemeClr val="accent1"/>
+          </a:fillRef>
+          <a:effectRef idx="0">
+            <a:schemeClr val="accent1"/>
+          </a:effectRef>
+          <a:fontRef idx="minor">
+            <a:schemeClr val="lt1"/>
+          </a:fontRef>
+        </p:style>
+        <p:txBody>
+          <a:bodyPr rtlCol="0" anchor="ctr"/>
+          <a:lstStyle/>
+          <a:p>
+            <a:pPr algn="ctr"/>
+            <a:endParaRPr lang="en-JP"/>
+          </a:p>
+        </p:txBody>
+      </p:sp>
+      <p:sp>
+        <p:nvSpPr>
+          <p:cNvPr id="84" name="Rectangle 83">
+            <a:extLst>
+              <a:ext uri="{FF2B5EF4-FFF2-40B4-BE49-F238E27FC236}">
+                <a16:creationId xmlns:a16="http://schemas.microsoft.com/office/drawing/2014/main" id="{9A0B82B4-35ED-A147-BA5F-98B4A41E5C86}"/>
+              </a:ext>
+            </a:extLst>
+          </p:cNvPr>
+          <p:cNvSpPr/>
+          <p:nvPr/>
+        </p:nvSpPr>
+        <p:spPr>
+          <a:xfrm rot="18257039">
+            <a:off x="10936196" y="2289342"/>
+            <a:ext cx="863475" cy="3210962"/>
+          </a:xfrm>
+          <a:prstGeom prst="rect">
+            <a:avLst/>
+          </a:prstGeom>
+          <a:solidFill>
+            <a:srgbClr val="AB7942"/>
+          </a:solidFill>
+          <a:ln>
+            <a:noFill/>
+          </a:ln>
+        </p:spPr>
+        <p:style>
+          <a:lnRef idx="2">
+            <a:schemeClr val="accent1">
+              <a:shade val="50000"/>
+            </a:schemeClr>
+          </a:lnRef>
+          <a:fillRef idx="1">
+            <a:schemeClr val="accent1"/>
+          </a:fillRef>
+          <a:effectRef idx="0">
+            <a:schemeClr val="accent1"/>
+          </a:effectRef>
+          <a:fontRef idx="minor">
+            <a:schemeClr val="lt1"/>
+          </a:fontRef>
+        </p:style>
+        <p:txBody>
+          <a:bodyPr rtlCol="0" anchor="ctr"/>
+          <a:lstStyle/>
+          <a:p>
+            <a:pPr algn="ctr"/>
+            <a:endParaRPr lang="en-JP"/>
+          </a:p>
+        </p:txBody>
+      </p:sp>
+      <p:grpSp>
+        <p:nvGrpSpPr>
+          <p:cNvPr id="85" name="Group 84">
+            <a:extLst>
+              <a:ext uri="{FF2B5EF4-FFF2-40B4-BE49-F238E27FC236}">
+                <a16:creationId xmlns:a16="http://schemas.microsoft.com/office/drawing/2014/main" id="{8531E0D4-8C9E-904D-AE46-377E8AA33A23}"/>
+              </a:ext>
+            </a:extLst>
+          </p:cNvPr>
+          <p:cNvGrpSpPr/>
+          <p:nvPr/>
+        </p:nvGrpSpPr>
+        <p:grpSpPr>
+          <a:xfrm>
+            <a:off x="9236871" y="4454724"/>
+            <a:ext cx="2279947" cy="1367969"/>
+            <a:chOff x="176403" y="492443"/>
+            <a:chExt cx="3857625" cy="2314576"/>
+          </a:xfrm>
+          <a:solidFill>
+            <a:srgbClr val="DEB887"/>
+          </a:solidFill>
+        </p:grpSpPr>
+        <p:sp>
+          <p:nvSpPr>
+            <p:cNvPr id="86" name="Rectangle 85">
+              <a:extLst>
+                <a:ext uri="{FF2B5EF4-FFF2-40B4-BE49-F238E27FC236}">
+                  <a16:creationId xmlns:a16="http://schemas.microsoft.com/office/drawing/2014/main" id="{15987005-A923-FD48-863E-DA1B201F83CD}"/>
+                </a:ext>
+              </a:extLst>
+            </p:cNvPr>
+            <p:cNvSpPr/>
+            <p:nvPr/>
+          </p:nvSpPr>
+          <p:spPr>
+            <a:xfrm>
+              <a:off x="947928" y="492443"/>
+              <a:ext cx="771525" cy="771525"/>
+            </a:xfrm>
+            <a:prstGeom prst="rect">
+              <a:avLst/>
+            </a:prstGeom>
+            <a:grpFill/>
+            <a:ln>
+              <a:noFill/>
+            </a:ln>
+          </p:spPr>
+          <p:style>
+            <a:lnRef idx="2">
+              <a:schemeClr val="accent1">
+                <a:shade val="50000"/>
+              </a:schemeClr>
+            </a:lnRef>
+            <a:fillRef idx="1">
+              <a:schemeClr val="accent1"/>
+            </a:fillRef>
+            <a:effectRef idx="0">
+              <a:schemeClr val="accent1"/>
+            </a:effectRef>
+            <a:fontRef idx="minor">
+              <a:schemeClr val="lt1"/>
+            </a:fontRef>
+          </p:style>
+          <p:txBody>
+            <a:bodyPr rtlCol="0" anchor="ctr"/>
+            <a:lstStyle/>
+            <a:p>
+              <a:pPr algn="ctr"/>
+              <a:endParaRPr lang="en-JP"/>
+            </a:p>
+          </p:txBody>
+        </p:sp>
+        <p:sp>
+          <p:nvSpPr>
+            <p:cNvPr id="87" name="Rectangle 86">
+              <a:extLst>
+                <a:ext uri="{FF2B5EF4-FFF2-40B4-BE49-F238E27FC236}">
+                  <a16:creationId xmlns:a16="http://schemas.microsoft.com/office/drawing/2014/main" id="{7E105DFD-5EB7-C441-87C2-4D7FC9EFF702}"/>
+                </a:ext>
+              </a:extLst>
+            </p:cNvPr>
+            <p:cNvSpPr/>
+            <p:nvPr/>
+          </p:nvSpPr>
+          <p:spPr>
+            <a:xfrm>
+              <a:off x="176403" y="1263968"/>
+              <a:ext cx="771525" cy="771525"/>
+            </a:xfrm>
+            <a:prstGeom prst="rect">
+              <a:avLst/>
+            </a:prstGeom>
+            <a:grpFill/>
+            <a:ln>
+              <a:noFill/>
+            </a:ln>
+          </p:spPr>
+          <p:style>
+            <a:lnRef idx="2">
+              <a:schemeClr val="accent1">
+                <a:shade val="50000"/>
+              </a:schemeClr>
+            </a:lnRef>
+            <a:fillRef idx="1">
+              <a:schemeClr val="accent1"/>
+            </a:fillRef>
+            <a:effectRef idx="0">
+              <a:schemeClr val="accent1"/>
+            </a:effectRef>
+            <a:fontRef idx="minor">
+              <a:schemeClr val="lt1"/>
+            </a:fontRef>
+          </p:style>
+          <p:txBody>
+            <a:bodyPr rtlCol="0" anchor="ctr"/>
+            <a:lstStyle/>
+            <a:p>
+              <a:pPr algn="ctr"/>
+              <a:endParaRPr lang="en-JP"/>
+            </a:p>
+          </p:txBody>
+        </p:sp>
+        <p:sp>
+          <p:nvSpPr>
+            <p:cNvPr id="88" name="Rectangle 87">
+              <a:extLst>
+                <a:ext uri="{FF2B5EF4-FFF2-40B4-BE49-F238E27FC236}">
+                  <a16:creationId xmlns:a16="http://schemas.microsoft.com/office/drawing/2014/main" id="{776B5E99-EACA-7141-B10D-7D56B024DF1C}"/>
+                </a:ext>
+              </a:extLst>
+            </p:cNvPr>
+            <p:cNvSpPr/>
+            <p:nvPr/>
+          </p:nvSpPr>
+          <p:spPr>
+            <a:xfrm>
+              <a:off x="947928" y="1263968"/>
+              <a:ext cx="771525" cy="771525"/>
+            </a:xfrm>
+            <a:prstGeom prst="rect">
+              <a:avLst/>
+            </a:prstGeom>
+            <a:solidFill>
+              <a:srgbClr val="DEB887"/>
+            </a:solidFill>
+            <a:ln>
+              <a:noFill/>
+            </a:ln>
+          </p:spPr>
+          <p:style>
+            <a:lnRef idx="2">
+              <a:schemeClr val="accent1">
+                <a:shade val="50000"/>
+              </a:schemeClr>
+            </a:lnRef>
+            <a:fillRef idx="1">
+              <a:schemeClr val="accent1"/>
+            </a:fillRef>
+            <a:effectRef idx="0">
+              <a:schemeClr val="accent1"/>
+            </a:effectRef>
+            <a:fontRef idx="minor">
+              <a:schemeClr val="lt1"/>
+            </a:fontRef>
+          </p:style>
+          <p:txBody>
+            <a:bodyPr rtlCol="0" anchor="ctr"/>
+            <a:lstStyle/>
+            <a:p>
+              <a:pPr algn="ctr"/>
+              <a:endParaRPr lang="en-JP"/>
+            </a:p>
+          </p:txBody>
+        </p:sp>
+        <p:sp>
+          <p:nvSpPr>
+            <p:cNvPr id="89" name="Rectangle 88">
+              <a:extLst>
+                <a:ext uri="{FF2B5EF4-FFF2-40B4-BE49-F238E27FC236}">
+                  <a16:creationId xmlns:a16="http://schemas.microsoft.com/office/drawing/2014/main" id="{E70A999D-23C9-484E-A621-5870C3A92E2A}"/>
+                </a:ext>
+              </a:extLst>
+            </p:cNvPr>
+            <p:cNvSpPr/>
+            <p:nvPr/>
+          </p:nvSpPr>
+          <p:spPr>
+            <a:xfrm>
+              <a:off x="176403" y="2035494"/>
+              <a:ext cx="771525" cy="771525"/>
+            </a:xfrm>
+            <a:prstGeom prst="rect">
+              <a:avLst/>
+            </a:prstGeom>
+            <a:grpFill/>
+            <a:ln>
+              <a:noFill/>
+            </a:ln>
+          </p:spPr>
+          <p:style>
+            <a:lnRef idx="2">
+              <a:schemeClr val="accent1">
+                <a:shade val="50000"/>
+              </a:schemeClr>
+            </a:lnRef>
+            <a:fillRef idx="1">
+              <a:schemeClr val="accent1"/>
+            </a:fillRef>
+            <a:effectRef idx="0">
+              <a:schemeClr val="accent1"/>
+            </a:effectRef>
+            <a:fontRef idx="minor">
+              <a:schemeClr val="lt1"/>
+            </a:fontRef>
+          </p:style>
+          <p:txBody>
+            <a:bodyPr rtlCol="0" anchor="ctr"/>
+            <a:lstStyle/>
+            <a:p>
+              <a:pPr algn="ctr"/>
+              <a:endParaRPr lang="en-JP" dirty="0"/>
+            </a:p>
+          </p:txBody>
+        </p:sp>
+        <p:sp>
+          <p:nvSpPr>
+            <p:cNvPr id="90" name="Rectangle 89">
+              <a:extLst>
+                <a:ext uri="{FF2B5EF4-FFF2-40B4-BE49-F238E27FC236}">
+                  <a16:creationId xmlns:a16="http://schemas.microsoft.com/office/drawing/2014/main" id="{BBFC1D75-C7FB-C248-9F06-D9C28B302B5E}"/>
+                </a:ext>
+              </a:extLst>
+            </p:cNvPr>
+            <p:cNvSpPr/>
+            <p:nvPr/>
+          </p:nvSpPr>
+          <p:spPr>
+            <a:xfrm>
+              <a:off x="947928" y="2035494"/>
+              <a:ext cx="771525" cy="771525"/>
+            </a:xfrm>
+            <a:prstGeom prst="rect">
+              <a:avLst/>
+            </a:prstGeom>
+            <a:grpFill/>
+            <a:ln>
+              <a:noFill/>
+            </a:ln>
+          </p:spPr>
+          <p:style>
+            <a:lnRef idx="2">
+              <a:schemeClr val="accent1">
+                <a:shade val="50000"/>
+              </a:schemeClr>
+            </a:lnRef>
+            <a:fillRef idx="1">
+              <a:schemeClr val="accent1"/>
+            </a:fillRef>
+            <a:effectRef idx="0">
+              <a:schemeClr val="accent1"/>
+            </a:effectRef>
+            <a:fontRef idx="minor">
+              <a:schemeClr val="lt1"/>
+            </a:fontRef>
+          </p:style>
+          <p:txBody>
+            <a:bodyPr rtlCol="0" anchor="ctr"/>
+            <a:lstStyle/>
+            <a:p>
+              <a:pPr algn="ctr"/>
+              <a:endParaRPr lang="en-JP"/>
+            </a:p>
+          </p:txBody>
+        </p:sp>
+        <p:sp>
+          <p:nvSpPr>
+            <p:cNvPr id="91" name="Rectangle 90">
+              <a:extLst>
+                <a:ext uri="{FF2B5EF4-FFF2-40B4-BE49-F238E27FC236}">
+                  <a16:creationId xmlns:a16="http://schemas.microsoft.com/office/drawing/2014/main" id="{8E847C9D-75DF-5549-B1A1-3CEFBA577918}"/>
+                </a:ext>
+              </a:extLst>
+            </p:cNvPr>
+            <p:cNvSpPr/>
+            <p:nvPr/>
+          </p:nvSpPr>
+          <p:spPr>
+            <a:xfrm>
+              <a:off x="2490978" y="492443"/>
+              <a:ext cx="771525" cy="771525"/>
+            </a:xfrm>
+            <a:prstGeom prst="rect">
+              <a:avLst/>
+            </a:prstGeom>
+            <a:grpFill/>
+            <a:ln>
+              <a:noFill/>
+            </a:ln>
+          </p:spPr>
+          <p:style>
+            <a:lnRef idx="2">
+              <a:schemeClr val="accent1">
+                <a:shade val="50000"/>
+              </a:schemeClr>
+            </a:lnRef>
+            <a:fillRef idx="1">
+              <a:schemeClr val="accent1"/>
+            </a:fillRef>
+            <a:effectRef idx="0">
+              <a:schemeClr val="accent1"/>
+            </a:effectRef>
+            <a:fontRef idx="minor">
+              <a:schemeClr val="lt1"/>
+            </a:fontRef>
+          </p:style>
+          <p:txBody>
+            <a:bodyPr rtlCol="0" anchor="ctr"/>
+            <a:lstStyle/>
+            <a:p>
+              <a:pPr algn="ctr"/>
+              <a:endParaRPr lang="en-JP"/>
+            </a:p>
+          </p:txBody>
+        </p:sp>
+        <p:sp>
+          <p:nvSpPr>
+            <p:cNvPr id="92" name="Rectangle 91">
+              <a:extLst>
+                <a:ext uri="{FF2B5EF4-FFF2-40B4-BE49-F238E27FC236}">
+                  <a16:creationId xmlns:a16="http://schemas.microsoft.com/office/drawing/2014/main" id="{F8419567-F198-DE40-B4ED-F846AC084370}"/>
+                </a:ext>
+              </a:extLst>
+            </p:cNvPr>
+            <p:cNvSpPr/>
+            <p:nvPr/>
+          </p:nvSpPr>
+          <p:spPr>
+            <a:xfrm>
+              <a:off x="1719453" y="1263968"/>
+              <a:ext cx="771525" cy="771525"/>
+            </a:xfrm>
+            <a:prstGeom prst="rect">
+              <a:avLst/>
+            </a:prstGeom>
+            <a:grpFill/>
+            <a:ln>
+              <a:noFill/>
+            </a:ln>
+          </p:spPr>
+          <p:style>
+            <a:lnRef idx="2">
+              <a:schemeClr val="accent1">
+                <a:shade val="50000"/>
+              </a:schemeClr>
+            </a:lnRef>
+            <a:fillRef idx="1">
+              <a:schemeClr val="accent1"/>
+            </a:fillRef>
+            <a:effectRef idx="0">
+              <a:schemeClr val="accent1"/>
+            </a:effectRef>
+            <a:fontRef idx="minor">
+              <a:schemeClr val="lt1"/>
+            </a:fontRef>
+          </p:style>
+          <p:txBody>
+            <a:bodyPr rtlCol="0" anchor="ctr"/>
+            <a:lstStyle/>
+            <a:p>
+              <a:pPr algn="ctr"/>
+              <a:endParaRPr lang="en-JP"/>
+            </a:p>
+          </p:txBody>
+        </p:sp>
+        <p:sp>
+          <p:nvSpPr>
+            <p:cNvPr id="93" name="Rectangle 92">
+              <a:extLst>
+                <a:ext uri="{FF2B5EF4-FFF2-40B4-BE49-F238E27FC236}">
+                  <a16:creationId xmlns:a16="http://schemas.microsoft.com/office/drawing/2014/main" id="{F17D1A35-7349-2748-9A33-6454BAA7833D}"/>
+                </a:ext>
+              </a:extLst>
+            </p:cNvPr>
+            <p:cNvSpPr/>
+            <p:nvPr/>
+          </p:nvSpPr>
+          <p:spPr>
+            <a:xfrm>
+              <a:off x="2490978" y="1263968"/>
+              <a:ext cx="771525" cy="771525"/>
+            </a:xfrm>
+            <a:prstGeom prst="rect">
+              <a:avLst/>
+            </a:prstGeom>
+            <a:grpFill/>
+            <a:ln>
+              <a:noFill/>
+            </a:ln>
+          </p:spPr>
+          <p:style>
+            <a:lnRef idx="2">
+              <a:schemeClr val="accent1">
+                <a:shade val="50000"/>
+              </a:schemeClr>
+            </a:lnRef>
+            <a:fillRef idx="1">
+              <a:schemeClr val="accent1"/>
+            </a:fillRef>
+            <a:effectRef idx="0">
+              <a:schemeClr val="accent1"/>
+            </a:effectRef>
+            <a:fontRef idx="minor">
+              <a:schemeClr val="lt1"/>
+            </a:fontRef>
+          </p:style>
+          <p:txBody>
+            <a:bodyPr rtlCol="0" anchor="ctr"/>
+            <a:lstStyle/>
+            <a:p>
+              <a:pPr algn="ctr"/>
+              <a:endParaRPr lang="en-JP"/>
+            </a:p>
+          </p:txBody>
+        </p:sp>
+        <p:sp>
+          <p:nvSpPr>
+            <p:cNvPr id="94" name="Rectangle 93">
+              <a:extLst>
+                <a:ext uri="{FF2B5EF4-FFF2-40B4-BE49-F238E27FC236}">
+                  <a16:creationId xmlns:a16="http://schemas.microsoft.com/office/drawing/2014/main" id="{0A1D921A-6A31-DE46-87AC-401AE1E45C44}"/>
+                </a:ext>
+              </a:extLst>
+            </p:cNvPr>
+            <p:cNvSpPr/>
+            <p:nvPr/>
+          </p:nvSpPr>
+          <p:spPr>
+            <a:xfrm>
+              <a:off x="1719453" y="2035494"/>
+              <a:ext cx="771525" cy="771525"/>
+            </a:xfrm>
+            <a:prstGeom prst="rect">
+              <a:avLst/>
+            </a:prstGeom>
+            <a:grpFill/>
+            <a:ln>
+              <a:noFill/>
+            </a:ln>
+          </p:spPr>
+          <p:style>
+            <a:lnRef idx="2">
+              <a:schemeClr val="accent1">
+                <a:shade val="50000"/>
+              </a:schemeClr>
+            </a:lnRef>
+            <a:fillRef idx="1">
+              <a:schemeClr val="accent1"/>
+            </a:fillRef>
+            <a:effectRef idx="0">
+              <a:schemeClr val="accent1"/>
+            </a:effectRef>
+            <a:fontRef idx="minor">
+              <a:schemeClr val="lt1"/>
+            </a:fontRef>
+          </p:style>
+          <p:txBody>
+            <a:bodyPr rtlCol="0" anchor="ctr"/>
+            <a:lstStyle/>
+            <a:p>
+              <a:pPr algn="ctr"/>
+              <a:endParaRPr lang="en-JP"/>
+            </a:p>
+          </p:txBody>
+        </p:sp>
+        <p:sp>
+          <p:nvSpPr>
+            <p:cNvPr id="95" name="Rectangle 94">
+              <a:extLst>
+                <a:ext uri="{FF2B5EF4-FFF2-40B4-BE49-F238E27FC236}">
+                  <a16:creationId xmlns:a16="http://schemas.microsoft.com/office/drawing/2014/main" id="{3401D87D-8EF5-7B46-8B44-83E3FBAE0AB0}"/>
+                </a:ext>
+              </a:extLst>
+            </p:cNvPr>
+            <p:cNvSpPr/>
+            <p:nvPr/>
+          </p:nvSpPr>
+          <p:spPr>
+            <a:xfrm>
+              <a:off x="2490978" y="2035494"/>
+              <a:ext cx="771525" cy="771525"/>
+            </a:xfrm>
+            <a:prstGeom prst="rect">
+              <a:avLst/>
+            </a:prstGeom>
+            <a:grpFill/>
+            <a:ln>
+              <a:noFill/>
+            </a:ln>
+          </p:spPr>
+          <p:style>
+            <a:lnRef idx="2">
+              <a:schemeClr val="accent1">
+                <a:shade val="50000"/>
+              </a:schemeClr>
+            </a:lnRef>
+            <a:fillRef idx="1">
+              <a:schemeClr val="accent1"/>
+            </a:fillRef>
+            <a:effectRef idx="0">
+              <a:schemeClr val="accent1"/>
+            </a:effectRef>
+            <a:fontRef idx="minor">
+              <a:schemeClr val="lt1"/>
+            </a:fontRef>
+          </p:style>
+          <p:txBody>
+            <a:bodyPr rtlCol="0" anchor="ctr"/>
+            <a:lstStyle/>
+            <a:p>
+              <a:pPr algn="ctr"/>
+              <a:endParaRPr lang="en-JP"/>
+            </a:p>
+          </p:txBody>
+        </p:sp>
+        <p:sp>
+          <p:nvSpPr>
+            <p:cNvPr id="96" name="Rectangle 95">
+              <a:extLst>
+                <a:ext uri="{FF2B5EF4-FFF2-40B4-BE49-F238E27FC236}">
+                  <a16:creationId xmlns:a16="http://schemas.microsoft.com/office/drawing/2014/main" id="{542DCF60-34F6-0C4F-BC42-5B279251C7FB}"/>
+                </a:ext>
+              </a:extLst>
+            </p:cNvPr>
+            <p:cNvSpPr/>
+            <p:nvPr/>
+          </p:nvSpPr>
+          <p:spPr>
+            <a:xfrm>
+              <a:off x="3262503" y="1263968"/>
+              <a:ext cx="771525" cy="771525"/>
+            </a:xfrm>
+            <a:prstGeom prst="rect">
+              <a:avLst/>
+            </a:prstGeom>
+            <a:grpFill/>
+            <a:ln>
+              <a:noFill/>
+            </a:ln>
+          </p:spPr>
+          <p:style>
+            <a:lnRef idx="2">
+              <a:schemeClr val="accent1">
+                <a:shade val="50000"/>
+              </a:schemeClr>
+            </a:lnRef>
+            <a:fillRef idx="1">
+              <a:schemeClr val="accent1"/>
+            </a:fillRef>
+            <a:effectRef idx="0">
+              <a:schemeClr val="accent1"/>
+            </a:effectRef>
+            <a:fontRef idx="minor">
+              <a:schemeClr val="lt1"/>
+            </a:fontRef>
+          </p:style>
+          <p:txBody>
+            <a:bodyPr rtlCol="0" anchor="ctr"/>
+            <a:lstStyle/>
+            <a:p>
+              <a:pPr algn="ctr"/>
+              <a:endParaRPr lang="en-JP"/>
+            </a:p>
+          </p:txBody>
+        </p:sp>
+        <p:sp>
+          <p:nvSpPr>
+            <p:cNvPr id="97" name="Rectangle 96">
+              <a:extLst>
+                <a:ext uri="{FF2B5EF4-FFF2-40B4-BE49-F238E27FC236}">
+                  <a16:creationId xmlns:a16="http://schemas.microsoft.com/office/drawing/2014/main" id="{166EC697-3506-9A4D-879A-2B99F1DE595D}"/>
+                </a:ext>
+              </a:extLst>
+            </p:cNvPr>
+            <p:cNvSpPr/>
+            <p:nvPr/>
+          </p:nvSpPr>
+          <p:spPr>
+            <a:xfrm>
+              <a:off x="3262503" y="2035494"/>
+              <a:ext cx="771525" cy="771525"/>
+            </a:xfrm>
+            <a:prstGeom prst="rect">
+              <a:avLst/>
+            </a:prstGeom>
+            <a:grpFill/>
+            <a:ln>
+              <a:noFill/>
+            </a:ln>
+          </p:spPr>
+          <p:style>
+            <a:lnRef idx="2">
+              <a:schemeClr val="accent1">
+                <a:shade val="50000"/>
+              </a:schemeClr>
+            </a:lnRef>
+            <a:fillRef idx="1">
+              <a:schemeClr val="accent1"/>
+            </a:fillRef>
+            <a:effectRef idx="0">
+              <a:schemeClr val="accent1"/>
+            </a:effectRef>
+            <a:fontRef idx="minor">
+              <a:schemeClr val="lt1"/>
+            </a:fontRef>
+          </p:style>
+          <p:txBody>
+            <a:bodyPr rtlCol="0" anchor="ctr"/>
+            <a:lstStyle/>
+            <a:p>
+              <a:pPr algn="ctr"/>
+              <a:endParaRPr lang="en-JP"/>
+            </a:p>
+          </p:txBody>
+        </p:sp>
+        <p:sp>
+          <p:nvSpPr>
+            <p:cNvPr id="98" name="Oval 97">
+              <a:extLst>
+                <a:ext uri="{FF2B5EF4-FFF2-40B4-BE49-F238E27FC236}">
+                  <a16:creationId xmlns:a16="http://schemas.microsoft.com/office/drawing/2014/main" id="{4595FABC-F12B-AC4C-9E4B-2C893480153D}"/>
+                </a:ext>
+              </a:extLst>
+            </p:cNvPr>
+            <p:cNvSpPr/>
+            <p:nvPr/>
+          </p:nvSpPr>
+          <p:spPr>
+            <a:xfrm>
+              <a:off x="1238917" y="1599345"/>
+              <a:ext cx="214550" cy="214550"/>
+            </a:xfrm>
+            <a:custGeom>
+              <a:avLst/>
+              <a:gdLst>
+                <a:gd name="connsiteX0" fmla="*/ 0 w 126804"/>
+                <a:gd name="connsiteY0" fmla="*/ 63402 h 126804"/>
+                <a:gd name="connsiteX1" fmla="*/ 63402 w 126804"/>
+                <a:gd name="connsiteY1" fmla="*/ 0 h 126804"/>
+                <a:gd name="connsiteX2" fmla="*/ 126804 w 126804"/>
+                <a:gd name="connsiteY2" fmla="*/ 63402 h 126804"/>
+                <a:gd name="connsiteX3" fmla="*/ 63402 w 126804"/>
+                <a:gd name="connsiteY3" fmla="*/ 126804 h 126804"/>
+                <a:gd name="connsiteX4" fmla="*/ 0 w 126804"/>
+                <a:gd name="connsiteY4" fmla="*/ 63402 h 126804"/>
+              </a:gdLst>
+              <a:ahLst/>
+              <a:cxnLst>
+                <a:cxn ang="0">
+                  <a:pos x="connsiteX0" y="connsiteY0"/>
+                </a:cxn>
+                <a:cxn ang="0">
+                  <a:pos x="connsiteX1" y="connsiteY1"/>
+                </a:cxn>
+                <a:cxn ang="0">
+                  <a:pos x="connsiteX2" y="connsiteY2"/>
+                </a:cxn>
+                <a:cxn ang="0">
+                  <a:pos x="connsiteX3" y="connsiteY3"/>
+                </a:cxn>
+                <a:cxn ang="0">
+                  <a:pos x="connsiteX4" y="connsiteY4"/>
+                </a:cxn>
+              </a:cxnLst>
+              <a:rect l="l" t="t" r="r" b="b"/>
+              <a:pathLst>
+                <a:path w="126804" h="126804" fill="none" extrusionOk="0">
+                  <a:moveTo>
+                    <a:pt x="0" y="63402"/>
+                  </a:moveTo>
+                  <a:cubicBezTo>
+                    <a:pt x="2482" y="28680"/>
+                    <a:pt x="30910" y="-5195"/>
+                    <a:pt x="63402" y="0"/>
+                  </a:cubicBezTo>
+                  <a:cubicBezTo>
+                    <a:pt x="91162" y="-1111"/>
+                    <a:pt x="124463" y="30590"/>
+                    <a:pt x="126804" y="63402"/>
+                  </a:cubicBezTo>
+                  <a:cubicBezTo>
+                    <a:pt x="126521" y="95718"/>
+                    <a:pt x="94144" y="132744"/>
+                    <a:pt x="63402" y="126804"/>
+                  </a:cubicBezTo>
+                  <a:cubicBezTo>
+                    <a:pt x="31923" y="128784"/>
+                    <a:pt x="4000" y="99380"/>
+                    <a:pt x="0" y="63402"/>
+                  </a:cubicBezTo>
+                  <a:close/>
+                </a:path>
+                <a:path w="126804" h="126804" stroke="0" extrusionOk="0">
+                  <a:moveTo>
+                    <a:pt x="0" y="63402"/>
+                  </a:moveTo>
+                  <a:cubicBezTo>
+                    <a:pt x="-2077" y="27105"/>
+                    <a:pt x="26277" y="792"/>
+                    <a:pt x="63402" y="0"/>
+                  </a:cubicBezTo>
+                  <a:cubicBezTo>
+                    <a:pt x="106128" y="1623"/>
+                    <a:pt x="120418" y="28589"/>
+                    <a:pt x="126804" y="63402"/>
+                  </a:cubicBezTo>
+                  <a:cubicBezTo>
+                    <a:pt x="124327" y="100837"/>
+                    <a:pt x="98057" y="128799"/>
+                    <a:pt x="63402" y="126804"/>
+                  </a:cubicBezTo>
+                  <a:cubicBezTo>
+                    <a:pt x="23609" y="124191"/>
+                    <a:pt x="4847" y="100734"/>
+                    <a:pt x="0" y="63402"/>
+                  </a:cubicBezTo>
+                  <a:close/>
+                </a:path>
+              </a:pathLst>
+            </a:custGeom>
+            <a:solidFill>
+              <a:srgbClr val="AB7942"/>
+            </a:solidFill>
+            <a:ln>
+              <a:solidFill>
+                <a:srgbClr val="AB7942"/>
+              </a:solidFill>
+              <a:extLst>
+                <a:ext uri="{C807C97D-BFC1-408E-A445-0C87EB9F89A2}">
+                  <ask:lineSketchStyleProps xmlns:ask="http://schemas.microsoft.com/office/drawing/2018/sketchyshapes" sd="1219033472">
+                    <a:prstGeom prst="ellipse">
+                      <a:avLst/>
+                    </a:prstGeom>
+                    <ask:type>
+                      <ask:lineSketchFreehand/>
+                    </ask:type>
+                  </ask:lineSketchStyleProps>
+                </a:ext>
+              </a:extLst>
+            </a:ln>
+          </p:spPr>
+          <p:style>
+            <a:lnRef idx="2">
+              <a:schemeClr val="accent1">
+                <a:shade val="50000"/>
+              </a:schemeClr>
+            </a:lnRef>
+            <a:fillRef idx="1">
+              <a:schemeClr val="accent1"/>
+            </a:fillRef>
+            <a:effectRef idx="0">
+              <a:schemeClr val="accent1"/>
+            </a:effectRef>
+            <a:fontRef idx="minor">
+              <a:schemeClr val="lt1"/>
+            </a:fontRef>
+          </p:style>
+          <p:txBody>
+            <a:bodyPr rtlCol="0" anchor="ctr"/>
+            <a:lstStyle/>
+            <a:p>
+              <a:pPr algn="ctr"/>
+              <a:endParaRPr lang="en-JP"/>
+            </a:p>
+          </p:txBody>
+        </p:sp>
+        <p:sp>
+          <p:nvSpPr>
+            <p:cNvPr id="99" name="Oval 98">
+              <a:extLst>
+                <a:ext uri="{FF2B5EF4-FFF2-40B4-BE49-F238E27FC236}">
+                  <a16:creationId xmlns:a16="http://schemas.microsoft.com/office/drawing/2014/main" id="{ED7A5EFA-C56B-FE4A-8342-69A35D827DAC}"/>
+                </a:ext>
+              </a:extLst>
+            </p:cNvPr>
+            <p:cNvSpPr/>
+            <p:nvPr/>
+          </p:nvSpPr>
+          <p:spPr>
+            <a:xfrm>
+              <a:off x="2781967" y="1638634"/>
+              <a:ext cx="214550" cy="214550"/>
+            </a:xfrm>
+            <a:custGeom>
+              <a:avLst/>
+              <a:gdLst>
+                <a:gd name="connsiteX0" fmla="*/ 0 w 126804"/>
+                <a:gd name="connsiteY0" fmla="*/ 63402 h 126804"/>
+                <a:gd name="connsiteX1" fmla="*/ 63402 w 126804"/>
+                <a:gd name="connsiteY1" fmla="*/ 0 h 126804"/>
+                <a:gd name="connsiteX2" fmla="*/ 126804 w 126804"/>
+                <a:gd name="connsiteY2" fmla="*/ 63402 h 126804"/>
+                <a:gd name="connsiteX3" fmla="*/ 63402 w 126804"/>
+                <a:gd name="connsiteY3" fmla="*/ 126804 h 126804"/>
+                <a:gd name="connsiteX4" fmla="*/ 0 w 126804"/>
+                <a:gd name="connsiteY4" fmla="*/ 63402 h 126804"/>
+              </a:gdLst>
+              <a:ahLst/>
+              <a:cxnLst>
+                <a:cxn ang="0">
+                  <a:pos x="connsiteX0" y="connsiteY0"/>
+                </a:cxn>
+                <a:cxn ang="0">
+                  <a:pos x="connsiteX1" y="connsiteY1"/>
+                </a:cxn>
+                <a:cxn ang="0">
+                  <a:pos x="connsiteX2" y="connsiteY2"/>
+                </a:cxn>
+                <a:cxn ang="0">
+                  <a:pos x="connsiteX3" y="connsiteY3"/>
+                </a:cxn>
+                <a:cxn ang="0">
+                  <a:pos x="connsiteX4" y="connsiteY4"/>
+                </a:cxn>
+              </a:cxnLst>
+              <a:rect l="l" t="t" r="r" b="b"/>
+              <a:pathLst>
+                <a:path w="126804" h="126804" fill="none" extrusionOk="0">
+                  <a:moveTo>
+                    <a:pt x="0" y="63402"/>
+                  </a:moveTo>
+                  <a:cubicBezTo>
+                    <a:pt x="3215" y="25330"/>
+                    <a:pt x="31583" y="211"/>
+                    <a:pt x="63402" y="0"/>
+                  </a:cubicBezTo>
+                  <a:cubicBezTo>
+                    <a:pt x="102015" y="6148"/>
+                    <a:pt x="119709" y="28234"/>
+                    <a:pt x="126804" y="63402"/>
+                  </a:cubicBezTo>
+                  <a:cubicBezTo>
+                    <a:pt x="127751" y="98555"/>
+                    <a:pt x="92567" y="124134"/>
+                    <a:pt x="63402" y="126804"/>
+                  </a:cubicBezTo>
+                  <a:cubicBezTo>
+                    <a:pt x="20445" y="129174"/>
+                    <a:pt x="3625" y="93504"/>
+                    <a:pt x="0" y="63402"/>
+                  </a:cubicBezTo>
+                  <a:close/>
+                </a:path>
+                <a:path w="126804" h="126804" stroke="0" extrusionOk="0">
+                  <a:moveTo>
+                    <a:pt x="0" y="63402"/>
+                  </a:moveTo>
+                  <a:cubicBezTo>
+                    <a:pt x="-2330" y="32474"/>
+                    <a:pt x="24315" y="-1681"/>
+                    <a:pt x="63402" y="0"/>
+                  </a:cubicBezTo>
+                  <a:cubicBezTo>
+                    <a:pt x="106934" y="-1257"/>
+                    <a:pt x="125334" y="31064"/>
+                    <a:pt x="126804" y="63402"/>
+                  </a:cubicBezTo>
+                  <a:cubicBezTo>
+                    <a:pt x="120765" y="100436"/>
+                    <a:pt x="93801" y="132263"/>
+                    <a:pt x="63402" y="126804"/>
+                  </a:cubicBezTo>
+                  <a:cubicBezTo>
+                    <a:pt x="30182" y="125641"/>
+                    <a:pt x="-887" y="98621"/>
+                    <a:pt x="0" y="63402"/>
+                  </a:cubicBezTo>
+                  <a:close/>
+                </a:path>
+              </a:pathLst>
+            </a:custGeom>
+            <a:solidFill>
+              <a:srgbClr val="AB7942"/>
+            </a:solidFill>
+            <a:ln>
+              <a:solidFill>
+                <a:srgbClr val="AB7942"/>
+              </a:solidFill>
+              <a:extLst>
+                <a:ext uri="{C807C97D-BFC1-408E-A445-0C87EB9F89A2}">
+                  <ask:lineSketchStyleProps xmlns:ask="http://schemas.microsoft.com/office/drawing/2018/sketchyshapes" sd="981765707">
+                    <a:prstGeom prst="ellipse">
+                      <a:avLst/>
+                    </a:prstGeom>
+                    <ask:type>
+                      <ask:lineSketchFreehand/>
+                    </ask:type>
+                  </ask:lineSketchStyleProps>
+                </a:ext>
+              </a:extLst>
+            </a:ln>
+          </p:spPr>
+          <p:style>
+            <a:lnRef idx="2">
+              <a:schemeClr val="accent1">
+                <a:shade val="50000"/>
+              </a:schemeClr>
+            </a:lnRef>
+            <a:fillRef idx="1">
+              <a:schemeClr val="accent1"/>
+            </a:fillRef>
+            <a:effectRef idx="0">
+              <a:schemeClr val="accent1"/>
+            </a:effectRef>
+            <a:fontRef idx="minor">
+              <a:schemeClr val="lt1"/>
+            </a:fontRef>
+          </p:style>
+          <p:txBody>
+            <a:bodyPr rtlCol="0" anchor="ctr"/>
+            <a:lstStyle/>
+            <a:p>
+              <a:pPr algn="ctr"/>
+              <a:endParaRPr lang="en-JP"/>
+            </a:p>
+          </p:txBody>
+        </p:sp>
+        <p:cxnSp>
+          <p:nvCxnSpPr>
+            <p:cNvPr id="100" name="Straight Connector 99">
+              <a:extLst>
+                <a:ext uri="{FF2B5EF4-FFF2-40B4-BE49-F238E27FC236}">
+                  <a16:creationId xmlns:a16="http://schemas.microsoft.com/office/drawing/2014/main" id="{E549AC13-550A-7C40-A808-C5B2D5211333}"/>
+                </a:ext>
+              </a:extLst>
+            </p:cNvPr>
+            <p:cNvCxnSpPr>
+              <a:cxnSpLocks/>
+            </p:cNvCxnSpPr>
+            <p:nvPr/>
+          </p:nvCxnSpPr>
+          <p:spPr>
+            <a:xfrm>
+              <a:off x="391477" y="2218944"/>
+              <a:ext cx="432435" cy="0"/>
+            </a:xfrm>
+            <a:prstGeom prst="line">
+              <a:avLst/>
+            </a:prstGeom>
+            <a:grpFill/>
+            <a:ln w="19050">
+              <a:solidFill>
+                <a:srgbClr val="AB7942"/>
+              </a:solidFill>
+            </a:ln>
+          </p:spPr>
+          <p:style>
+            <a:lnRef idx="1">
+              <a:schemeClr val="accent1"/>
+            </a:lnRef>
+            <a:fillRef idx="0">
+              <a:schemeClr val="accent1"/>
+            </a:fillRef>
+            <a:effectRef idx="0">
+              <a:schemeClr val="accent1"/>
+            </a:effectRef>
+            <a:fontRef idx="minor">
+              <a:schemeClr val="tx1"/>
+            </a:fontRef>
+          </p:style>
+        </p:cxnSp>
+        <p:cxnSp>
+          <p:nvCxnSpPr>
+            <p:cNvPr id="101" name="Straight Connector 100">
+              <a:extLst>
+                <a:ext uri="{FF2B5EF4-FFF2-40B4-BE49-F238E27FC236}">
+                  <a16:creationId xmlns:a16="http://schemas.microsoft.com/office/drawing/2014/main" id="{26EC46E1-6242-364E-9935-E6C0EB419217}"/>
+                </a:ext>
+              </a:extLst>
+            </p:cNvPr>
+            <p:cNvCxnSpPr>
+              <a:cxnSpLocks/>
+            </p:cNvCxnSpPr>
+            <p:nvPr/>
+          </p:nvCxnSpPr>
+          <p:spPr>
+            <a:xfrm>
+              <a:off x="391476" y="2392680"/>
+              <a:ext cx="432435" cy="0"/>
+            </a:xfrm>
+            <a:prstGeom prst="line">
+              <a:avLst/>
+            </a:prstGeom>
+            <a:grpFill/>
+            <a:ln w="19050">
+              <a:solidFill>
+                <a:srgbClr val="AB7942"/>
+              </a:solidFill>
+            </a:ln>
+          </p:spPr>
+          <p:style>
+            <a:lnRef idx="1">
+              <a:schemeClr val="accent1"/>
+            </a:lnRef>
+            <a:fillRef idx="0">
+              <a:schemeClr val="accent1"/>
+            </a:fillRef>
+            <a:effectRef idx="0">
+              <a:schemeClr val="accent1"/>
+            </a:effectRef>
+            <a:fontRef idx="minor">
+              <a:schemeClr val="tx1"/>
+            </a:fontRef>
+          </p:style>
+        </p:cxnSp>
+        <p:cxnSp>
+          <p:nvCxnSpPr>
+            <p:cNvPr id="102" name="Straight Connector 101">
+              <a:extLst>
+                <a:ext uri="{FF2B5EF4-FFF2-40B4-BE49-F238E27FC236}">
+                  <a16:creationId xmlns:a16="http://schemas.microsoft.com/office/drawing/2014/main" id="{9C09A789-CEEF-2547-8013-82B20A6A704E}"/>
+                </a:ext>
+              </a:extLst>
+            </p:cNvPr>
+            <p:cNvCxnSpPr>
+              <a:cxnSpLocks/>
+            </p:cNvCxnSpPr>
+            <p:nvPr/>
+          </p:nvCxnSpPr>
+          <p:spPr>
+            <a:xfrm>
+              <a:off x="391476" y="2557272"/>
+              <a:ext cx="432435" cy="0"/>
+            </a:xfrm>
+            <a:prstGeom prst="line">
+              <a:avLst/>
+            </a:prstGeom>
+            <a:grpFill/>
+            <a:ln w="19050">
+              <a:solidFill>
+                <a:srgbClr val="AB7942"/>
+              </a:solidFill>
+            </a:ln>
+          </p:spPr>
+          <p:style>
+            <a:lnRef idx="1">
+              <a:schemeClr val="accent1"/>
+            </a:lnRef>
+            <a:fillRef idx="0">
+              <a:schemeClr val="accent1"/>
+            </a:fillRef>
+            <a:effectRef idx="0">
+              <a:schemeClr val="accent1"/>
+            </a:effectRef>
+            <a:fontRef idx="minor">
+              <a:schemeClr val="tx1"/>
+            </a:fontRef>
+          </p:style>
+        </p:cxnSp>
+        <p:cxnSp>
+          <p:nvCxnSpPr>
+            <p:cNvPr id="103" name="Straight Connector 102">
+              <a:extLst>
+                <a:ext uri="{FF2B5EF4-FFF2-40B4-BE49-F238E27FC236}">
+                  <a16:creationId xmlns:a16="http://schemas.microsoft.com/office/drawing/2014/main" id="{89D7E170-F851-5042-978B-26DEFD417595}"/>
+                </a:ext>
+              </a:extLst>
+            </p:cNvPr>
+            <p:cNvCxnSpPr>
+              <a:cxnSpLocks/>
+            </p:cNvCxnSpPr>
+            <p:nvPr/>
+          </p:nvCxnSpPr>
+          <p:spPr>
+            <a:xfrm>
+              <a:off x="3389376" y="2218944"/>
+              <a:ext cx="432435" cy="0"/>
+            </a:xfrm>
+            <a:prstGeom prst="line">
+              <a:avLst/>
+            </a:prstGeom>
+            <a:grpFill/>
+            <a:ln w="19050">
+              <a:solidFill>
+                <a:srgbClr val="AB7942"/>
+              </a:solidFill>
+            </a:ln>
+          </p:spPr>
+          <p:style>
+            <a:lnRef idx="1">
+              <a:schemeClr val="accent1"/>
+            </a:lnRef>
+            <a:fillRef idx="0">
+              <a:schemeClr val="accent1"/>
+            </a:fillRef>
+            <a:effectRef idx="0">
+              <a:schemeClr val="accent1"/>
+            </a:effectRef>
+            <a:fontRef idx="minor">
+              <a:schemeClr val="tx1"/>
+            </a:fontRef>
+          </p:style>
+        </p:cxnSp>
+        <p:cxnSp>
+          <p:nvCxnSpPr>
+            <p:cNvPr id="104" name="Straight Connector 103">
+              <a:extLst>
+                <a:ext uri="{FF2B5EF4-FFF2-40B4-BE49-F238E27FC236}">
+                  <a16:creationId xmlns:a16="http://schemas.microsoft.com/office/drawing/2014/main" id="{4FB13AD0-2E2B-7947-87DF-BE019393A5D4}"/>
+                </a:ext>
+              </a:extLst>
+            </p:cNvPr>
+            <p:cNvCxnSpPr>
+              <a:cxnSpLocks/>
+            </p:cNvCxnSpPr>
+            <p:nvPr/>
+          </p:nvCxnSpPr>
+          <p:spPr>
+            <a:xfrm>
+              <a:off x="3389375" y="2392680"/>
+              <a:ext cx="432435" cy="0"/>
+            </a:xfrm>
+            <a:prstGeom prst="line">
+              <a:avLst/>
+            </a:prstGeom>
+            <a:grpFill/>
+            <a:ln w="19050">
+              <a:solidFill>
+                <a:srgbClr val="AB7942"/>
+              </a:solidFill>
+            </a:ln>
+          </p:spPr>
+          <p:style>
+            <a:lnRef idx="1">
+              <a:schemeClr val="accent1"/>
+            </a:lnRef>
+            <a:fillRef idx="0">
+              <a:schemeClr val="accent1"/>
+            </a:fillRef>
+            <a:effectRef idx="0">
+              <a:schemeClr val="accent1"/>
+            </a:effectRef>
+            <a:fontRef idx="minor">
+              <a:schemeClr val="tx1"/>
+            </a:fontRef>
+          </p:style>
+        </p:cxnSp>
+        <p:cxnSp>
+          <p:nvCxnSpPr>
+            <p:cNvPr id="105" name="Straight Connector 104">
+              <a:extLst>
+                <a:ext uri="{FF2B5EF4-FFF2-40B4-BE49-F238E27FC236}">
+                  <a16:creationId xmlns:a16="http://schemas.microsoft.com/office/drawing/2014/main" id="{9254F0AE-9348-B242-BAA9-9378FC2FC55D}"/>
+                </a:ext>
+              </a:extLst>
+            </p:cNvPr>
+            <p:cNvCxnSpPr>
+              <a:cxnSpLocks/>
+            </p:cNvCxnSpPr>
+            <p:nvPr/>
+          </p:nvCxnSpPr>
+          <p:spPr>
+            <a:xfrm>
+              <a:off x="3389375" y="2557272"/>
+              <a:ext cx="432435" cy="0"/>
+            </a:xfrm>
+            <a:prstGeom prst="line">
+              <a:avLst/>
+            </a:prstGeom>
+            <a:grpFill/>
+            <a:ln w="19050">
+              <a:solidFill>
+                <a:srgbClr val="AB7942"/>
+              </a:solidFill>
+            </a:ln>
+          </p:spPr>
+          <p:style>
+            <a:lnRef idx="1">
+              <a:schemeClr val="accent1"/>
+            </a:lnRef>
+            <a:fillRef idx="0">
+              <a:schemeClr val="accent1"/>
+            </a:fillRef>
+            <a:effectRef idx="0">
+              <a:schemeClr val="accent1"/>
+            </a:effectRef>
+            <a:fontRef idx="minor">
+              <a:schemeClr val="tx1"/>
+            </a:fontRef>
+          </p:style>
+        </p:cxnSp>
+      </p:grpSp>
     </p:spTree>
     <p:extLst>
       <p:ext uri="{BB962C8B-B14F-4D97-AF65-F5344CB8AC3E}">

--- a/images.pptx
+++ b/images.pptx
@@ -4,6 +4,9 @@
   <p:sldMasterIdLst>
     <p:sldMasterId id="2147483648" r:id="rId1"/>
   </p:sldMasterIdLst>
+  <p:notesMasterIdLst>
+    <p:notesMasterId r:id="rId6"/>
+  </p:notesMasterIdLst>
   <p:sldIdLst>
     <p:sldId id="256" r:id="rId2"/>
     <p:sldId id="257" r:id="rId3"/>
@@ -113,6 +116,440 @@
     </p:ext>
   </p:extLst>
 </p:presentation>
+</file>
+
+<file path=ppt/notesMasters/notesMaster1.xml><?xml version="1.0" encoding="utf-8"?>
+<p:notesMaster xmlns:a="http://schemas.openxmlformats.org/drawingml/2006/main" xmlns:r="http://schemas.openxmlformats.org/officeDocument/2006/relationships" xmlns:p="http://schemas.openxmlformats.org/presentationml/2006/main">
+  <p:cSld>
+    <p:bg>
+      <p:bgRef idx="1001">
+        <a:schemeClr val="bg1"/>
+      </p:bgRef>
+    </p:bg>
+    <p:spTree>
+      <p:nvGrpSpPr>
+        <p:cNvPr id="1" name=""/>
+        <p:cNvGrpSpPr/>
+        <p:nvPr/>
+      </p:nvGrpSpPr>
+      <p:grpSpPr>
+        <a:xfrm>
+          <a:off x="0" y="0"/>
+          <a:ext cx="0" cy="0"/>
+          <a:chOff x="0" y="0"/>
+          <a:chExt cx="0" cy="0"/>
+        </a:xfrm>
+      </p:grpSpPr>
+      <p:sp>
+        <p:nvSpPr>
+          <p:cNvPr id="2" name="Header Placeholder 1"/>
+          <p:cNvSpPr>
+            <a:spLocks noGrp="1"/>
+          </p:cNvSpPr>
+          <p:nvPr>
+            <p:ph type="hdr" sz="quarter"/>
+          </p:nvPr>
+        </p:nvSpPr>
+        <p:spPr>
+          <a:xfrm>
+            <a:off x="0" y="0"/>
+            <a:ext cx="2971800" cy="458788"/>
+          </a:xfrm>
+          <a:prstGeom prst="rect">
+            <a:avLst/>
+          </a:prstGeom>
+        </p:spPr>
+        <p:txBody>
+          <a:bodyPr vert="horz" lIns="91440" tIns="45720" rIns="91440" bIns="45720" rtlCol="0"/>
+          <a:lstStyle>
+            <a:lvl1pPr algn="l">
+              <a:defRPr sz="1200"/>
+            </a:lvl1pPr>
+          </a:lstStyle>
+          <a:p>
+            <a:endParaRPr lang="en-JP"/>
+          </a:p>
+        </p:txBody>
+      </p:sp>
+      <p:sp>
+        <p:nvSpPr>
+          <p:cNvPr id="3" name="Date Placeholder 2"/>
+          <p:cNvSpPr>
+            <a:spLocks noGrp="1"/>
+          </p:cNvSpPr>
+          <p:nvPr>
+            <p:ph type="dt" idx="1"/>
+          </p:nvPr>
+        </p:nvSpPr>
+        <p:spPr>
+          <a:xfrm>
+            <a:off x="3884613" y="0"/>
+            <a:ext cx="2971800" cy="458788"/>
+          </a:xfrm>
+          <a:prstGeom prst="rect">
+            <a:avLst/>
+          </a:prstGeom>
+        </p:spPr>
+        <p:txBody>
+          <a:bodyPr vert="horz" lIns="91440" tIns="45720" rIns="91440" bIns="45720" rtlCol="0"/>
+          <a:lstStyle>
+            <a:lvl1pPr algn="r">
+              <a:defRPr sz="1200"/>
+            </a:lvl1pPr>
+          </a:lstStyle>
+          <a:p>
+            <a:fld id="{F1C3DE0C-6B0D-4749-BC60-6550EDBFB46D}" type="datetimeFigureOut">
+              <a:rPr lang="en-JP" smtClean="0"/>
+              <a:t>2020/05/10</a:t>
+            </a:fld>
+            <a:endParaRPr lang="en-JP"/>
+          </a:p>
+        </p:txBody>
+      </p:sp>
+      <p:sp>
+        <p:nvSpPr>
+          <p:cNvPr id="4" name="Slide Image Placeholder 3"/>
+          <p:cNvSpPr>
+            <a:spLocks noGrp="1" noRot="1" noChangeAspect="1"/>
+          </p:cNvSpPr>
+          <p:nvPr>
+            <p:ph type="sldImg" idx="2"/>
+          </p:nvPr>
+        </p:nvSpPr>
+        <p:spPr>
+          <a:xfrm>
+            <a:off x="685800" y="1143000"/>
+            <a:ext cx="5486400" cy="3086100"/>
+          </a:xfrm>
+          <a:prstGeom prst="rect">
+            <a:avLst/>
+          </a:prstGeom>
+          <a:noFill/>
+          <a:ln w="12700">
+            <a:solidFill>
+              <a:prstClr val="black"/>
+            </a:solidFill>
+          </a:ln>
+        </p:spPr>
+        <p:txBody>
+          <a:bodyPr vert="horz" lIns="91440" tIns="45720" rIns="91440" bIns="45720" rtlCol="0" anchor="ctr"/>
+          <a:lstStyle/>
+          <a:p>
+            <a:endParaRPr lang="en-JP"/>
+          </a:p>
+        </p:txBody>
+      </p:sp>
+      <p:sp>
+        <p:nvSpPr>
+          <p:cNvPr id="5" name="Notes Placeholder 4"/>
+          <p:cNvSpPr>
+            <a:spLocks noGrp="1"/>
+          </p:cNvSpPr>
+          <p:nvPr>
+            <p:ph type="body" sz="quarter" idx="3"/>
+          </p:nvPr>
+        </p:nvSpPr>
+        <p:spPr>
+          <a:xfrm>
+            <a:off x="685800" y="4400550"/>
+            <a:ext cx="5486400" cy="3600450"/>
+          </a:xfrm>
+          <a:prstGeom prst="rect">
+            <a:avLst/>
+          </a:prstGeom>
+        </p:spPr>
+        <p:txBody>
+          <a:bodyPr vert="horz" lIns="91440" tIns="45720" rIns="91440" bIns="45720" rtlCol="0"/>
+          <a:lstStyle/>
+          <a:p>
+            <a:pPr lvl="0"/>
+            <a:r>
+              <a:rPr lang="en-US"/>
+              <a:t>Click to edit Master text styles</a:t>
+            </a:r>
+          </a:p>
+          <a:p>
+            <a:pPr lvl="1"/>
+            <a:r>
+              <a:rPr lang="en-US"/>
+              <a:t>Second level</a:t>
+            </a:r>
+          </a:p>
+          <a:p>
+            <a:pPr lvl="2"/>
+            <a:r>
+              <a:rPr lang="en-US"/>
+              <a:t>Third level</a:t>
+            </a:r>
+          </a:p>
+          <a:p>
+            <a:pPr lvl="3"/>
+            <a:r>
+              <a:rPr lang="en-US"/>
+              <a:t>Fourth level</a:t>
+            </a:r>
+          </a:p>
+          <a:p>
+            <a:pPr lvl="4"/>
+            <a:r>
+              <a:rPr lang="en-US"/>
+              <a:t>Fifth level</a:t>
+            </a:r>
+            <a:endParaRPr lang="en-JP"/>
+          </a:p>
+        </p:txBody>
+      </p:sp>
+      <p:sp>
+        <p:nvSpPr>
+          <p:cNvPr id="6" name="Footer Placeholder 5"/>
+          <p:cNvSpPr>
+            <a:spLocks noGrp="1"/>
+          </p:cNvSpPr>
+          <p:nvPr>
+            <p:ph type="ftr" sz="quarter" idx="4"/>
+          </p:nvPr>
+        </p:nvSpPr>
+        <p:spPr>
+          <a:xfrm>
+            <a:off x="0" y="8685213"/>
+            <a:ext cx="2971800" cy="458787"/>
+          </a:xfrm>
+          <a:prstGeom prst="rect">
+            <a:avLst/>
+          </a:prstGeom>
+        </p:spPr>
+        <p:txBody>
+          <a:bodyPr vert="horz" lIns="91440" tIns="45720" rIns="91440" bIns="45720" rtlCol="0" anchor="b"/>
+          <a:lstStyle>
+            <a:lvl1pPr algn="l">
+              <a:defRPr sz="1200"/>
+            </a:lvl1pPr>
+          </a:lstStyle>
+          <a:p>
+            <a:endParaRPr lang="en-JP"/>
+          </a:p>
+        </p:txBody>
+      </p:sp>
+      <p:sp>
+        <p:nvSpPr>
+          <p:cNvPr id="7" name="Slide Number Placeholder 6"/>
+          <p:cNvSpPr>
+            <a:spLocks noGrp="1"/>
+          </p:cNvSpPr>
+          <p:nvPr>
+            <p:ph type="sldNum" sz="quarter" idx="5"/>
+          </p:nvPr>
+        </p:nvSpPr>
+        <p:spPr>
+          <a:xfrm>
+            <a:off x="3884613" y="8685213"/>
+            <a:ext cx="2971800" cy="458787"/>
+          </a:xfrm>
+          <a:prstGeom prst="rect">
+            <a:avLst/>
+          </a:prstGeom>
+        </p:spPr>
+        <p:txBody>
+          <a:bodyPr vert="horz" lIns="91440" tIns="45720" rIns="91440" bIns="45720" rtlCol="0" anchor="b"/>
+          <a:lstStyle>
+            <a:lvl1pPr algn="r">
+              <a:defRPr sz="1200"/>
+            </a:lvl1pPr>
+          </a:lstStyle>
+          <a:p>
+            <a:fld id="{C8860E06-4C1F-994C-AEF5-9356F836C76B}" type="slidenum">
+              <a:rPr lang="en-JP" smtClean="0"/>
+              <a:t>‹#›</a:t>
+            </a:fld>
+            <a:endParaRPr lang="en-JP"/>
+          </a:p>
+        </p:txBody>
+      </p:sp>
+    </p:spTree>
+    <p:extLst>
+      <p:ext uri="{BB962C8B-B14F-4D97-AF65-F5344CB8AC3E}">
+        <p14:creationId xmlns:p14="http://schemas.microsoft.com/office/powerpoint/2010/main" val="3539540696"/>
+      </p:ext>
+    </p:extLst>
+  </p:cSld>
+  <p:clrMap bg1="lt1" tx1="dk1" bg2="lt2" tx2="dk2" accent1="accent1" accent2="accent2" accent3="accent3" accent4="accent4" accent5="accent5" accent6="accent6" hlink="hlink" folHlink="folHlink"/>
+  <p:notesStyle>
+    <a:lvl1pPr marL="0" algn="l" defTabSz="914400" rtl="0" eaLnBrk="1" latinLnBrk="0" hangingPunct="1">
+      <a:defRPr sz="1200" kern="1200">
+        <a:solidFill>
+          <a:schemeClr val="tx1"/>
+        </a:solidFill>
+        <a:latin typeface="+mn-lt"/>
+        <a:ea typeface="+mn-ea"/>
+        <a:cs typeface="+mn-cs"/>
+      </a:defRPr>
+    </a:lvl1pPr>
+    <a:lvl2pPr marL="457200" algn="l" defTabSz="914400" rtl="0" eaLnBrk="1" latinLnBrk="0" hangingPunct="1">
+      <a:defRPr sz="1200" kern="1200">
+        <a:solidFill>
+          <a:schemeClr val="tx1"/>
+        </a:solidFill>
+        <a:latin typeface="+mn-lt"/>
+        <a:ea typeface="+mn-ea"/>
+        <a:cs typeface="+mn-cs"/>
+      </a:defRPr>
+    </a:lvl2pPr>
+    <a:lvl3pPr marL="914400" algn="l" defTabSz="914400" rtl="0" eaLnBrk="1" latinLnBrk="0" hangingPunct="1">
+      <a:defRPr sz="1200" kern="1200">
+        <a:solidFill>
+          <a:schemeClr val="tx1"/>
+        </a:solidFill>
+        <a:latin typeface="+mn-lt"/>
+        <a:ea typeface="+mn-ea"/>
+        <a:cs typeface="+mn-cs"/>
+      </a:defRPr>
+    </a:lvl3pPr>
+    <a:lvl4pPr marL="1371600" algn="l" defTabSz="914400" rtl="0" eaLnBrk="1" latinLnBrk="0" hangingPunct="1">
+      <a:defRPr sz="1200" kern="1200">
+        <a:solidFill>
+          <a:schemeClr val="tx1"/>
+        </a:solidFill>
+        <a:latin typeface="+mn-lt"/>
+        <a:ea typeface="+mn-ea"/>
+        <a:cs typeface="+mn-cs"/>
+      </a:defRPr>
+    </a:lvl4pPr>
+    <a:lvl5pPr marL="1828800" algn="l" defTabSz="914400" rtl="0" eaLnBrk="1" latinLnBrk="0" hangingPunct="1">
+      <a:defRPr sz="1200" kern="1200">
+        <a:solidFill>
+          <a:schemeClr val="tx1"/>
+        </a:solidFill>
+        <a:latin typeface="+mn-lt"/>
+        <a:ea typeface="+mn-ea"/>
+        <a:cs typeface="+mn-cs"/>
+      </a:defRPr>
+    </a:lvl5pPr>
+    <a:lvl6pPr marL="2286000" algn="l" defTabSz="914400" rtl="0" eaLnBrk="1" latinLnBrk="0" hangingPunct="1">
+      <a:defRPr sz="1200" kern="1200">
+        <a:solidFill>
+          <a:schemeClr val="tx1"/>
+        </a:solidFill>
+        <a:latin typeface="+mn-lt"/>
+        <a:ea typeface="+mn-ea"/>
+        <a:cs typeface="+mn-cs"/>
+      </a:defRPr>
+    </a:lvl6pPr>
+    <a:lvl7pPr marL="2743200" algn="l" defTabSz="914400" rtl="0" eaLnBrk="1" latinLnBrk="0" hangingPunct="1">
+      <a:defRPr sz="1200" kern="1200">
+        <a:solidFill>
+          <a:schemeClr val="tx1"/>
+        </a:solidFill>
+        <a:latin typeface="+mn-lt"/>
+        <a:ea typeface="+mn-ea"/>
+        <a:cs typeface="+mn-cs"/>
+      </a:defRPr>
+    </a:lvl7pPr>
+    <a:lvl8pPr marL="3200400" algn="l" defTabSz="914400" rtl="0" eaLnBrk="1" latinLnBrk="0" hangingPunct="1">
+      <a:defRPr sz="1200" kern="1200">
+        <a:solidFill>
+          <a:schemeClr val="tx1"/>
+        </a:solidFill>
+        <a:latin typeface="+mn-lt"/>
+        <a:ea typeface="+mn-ea"/>
+        <a:cs typeface="+mn-cs"/>
+      </a:defRPr>
+    </a:lvl8pPr>
+    <a:lvl9pPr marL="3657600" algn="l" defTabSz="914400" rtl="0" eaLnBrk="1" latinLnBrk="0" hangingPunct="1">
+      <a:defRPr sz="1200" kern="1200">
+        <a:solidFill>
+          <a:schemeClr val="tx1"/>
+        </a:solidFill>
+        <a:latin typeface="+mn-lt"/>
+        <a:ea typeface="+mn-ea"/>
+        <a:cs typeface="+mn-cs"/>
+      </a:defRPr>
+    </a:lvl9pPr>
+  </p:notesStyle>
+</p:notesMaster>
+</file>
+
+<file path=ppt/notesSlides/notesSlide1.xml><?xml version="1.0" encoding="utf-8"?>
+<p:notes xmlns:a="http://schemas.openxmlformats.org/drawingml/2006/main" xmlns:r="http://schemas.openxmlformats.org/officeDocument/2006/relationships" xmlns:p="http://schemas.openxmlformats.org/presentationml/2006/main">
+  <p:cSld>
+    <p:spTree>
+      <p:nvGrpSpPr>
+        <p:cNvPr id="1" name=""/>
+        <p:cNvGrpSpPr/>
+        <p:nvPr/>
+      </p:nvGrpSpPr>
+      <p:grpSpPr>
+        <a:xfrm>
+          <a:off x="0" y="0"/>
+          <a:ext cx="0" cy="0"/>
+          <a:chOff x="0" y="0"/>
+          <a:chExt cx="0" cy="0"/>
+        </a:xfrm>
+      </p:grpSpPr>
+      <p:sp>
+        <p:nvSpPr>
+          <p:cNvPr id="2" name="Slide Image Placeholder 1"/>
+          <p:cNvSpPr>
+            <a:spLocks noGrp="1" noRot="1" noChangeAspect="1"/>
+          </p:cNvSpPr>
+          <p:nvPr>
+            <p:ph type="sldImg"/>
+          </p:nvPr>
+        </p:nvSpPr>
+        <p:spPr/>
+      </p:sp>
+      <p:sp>
+        <p:nvSpPr>
+          <p:cNvPr id="3" name="Notes Placeholder 2"/>
+          <p:cNvSpPr>
+            <a:spLocks noGrp="1"/>
+          </p:cNvSpPr>
+          <p:nvPr>
+            <p:ph type="body" idx="1"/>
+          </p:nvPr>
+        </p:nvSpPr>
+        <p:spPr/>
+        <p:txBody>
+          <a:bodyPr/>
+          <a:lstStyle/>
+          <a:p>
+            <a:endParaRPr lang="en-JP" dirty="0"/>
+          </a:p>
+        </p:txBody>
+      </p:sp>
+      <p:sp>
+        <p:nvSpPr>
+          <p:cNvPr id="4" name="Slide Number Placeholder 3"/>
+          <p:cNvSpPr>
+            <a:spLocks noGrp="1"/>
+          </p:cNvSpPr>
+          <p:nvPr>
+            <p:ph type="sldNum" sz="quarter" idx="5"/>
+          </p:nvPr>
+        </p:nvSpPr>
+        <p:spPr/>
+        <p:txBody>
+          <a:bodyPr/>
+          <a:lstStyle/>
+          <a:p>
+            <a:fld id="{C8860E06-4C1F-994C-AEF5-9356F836C76B}" type="slidenum">
+              <a:rPr lang="en-JP" smtClean="0"/>
+              <a:t>3</a:t>
+            </a:fld>
+            <a:endParaRPr lang="en-JP"/>
+          </a:p>
+        </p:txBody>
+      </p:sp>
+    </p:spTree>
+    <p:extLst>
+      <p:ext uri="{BB962C8B-B14F-4D97-AF65-F5344CB8AC3E}">
+        <p14:creationId xmlns:p14="http://schemas.microsoft.com/office/powerpoint/2010/main" val="2660087266"/>
+      </p:ext>
+    </p:extLst>
+  </p:cSld>
+  <p:clrMapOvr>
+    <a:masterClrMapping/>
+  </p:clrMapOvr>
+</p:notes>
 </file>
 
 <file path=ppt/slideLayouts/slideLayout1.xml><?xml version="1.0" encoding="utf-8"?>
@@ -13424,8 +13861,8 @@
         </p:nvSpPr>
         <p:spPr>
           <a:xfrm>
-            <a:off x="696207" y="3729741"/>
-            <a:ext cx="249058" cy="1849237"/>
+            <a:off x="696207" y="3836420"/>
+            <a:ext cx="249058" cy="1849238"/>
           </a:xfrm>
           <a:prstGeom prst="rect">
             <a:avLst/>
@@ -13476,8 +13913,8 @@
         </p:nvSpPr>
         <p:spPr>
           <a:xfrm>
-            <a:off x="2798942" y="3729741"/>
-            <a:ext cx="249058" cy="1849237"/>
+            <a:off x="2798942" y="3836420"/>
+            <a:ext cx="249058" cy="1849238"/>
           </a:xfrm>
           <a:prstGeom prst="rect">
             <a:avLst/>
@@ -14015,7 +14452,7 @@
         </p:nvSpPr>
         <p:spPr>
           <a:xfrm>
-            <a:off x="2706248" y="3729741"/>
+            <a:off x="2706248" y="3836421"/>
             <a:ext cx="453555" cy="1724170"/>
           </a:xfrm>
           <a:prstGeom prst="rect">
@@ -14067,7 +14504,7 @@
         </p:nvSpPr>
         <p:spPr>
           <a:xfrm>
-            <a:off x="570464" y="3729741"/>
+            <a:off x="570464" y="3836421"/>
             <a:ext cx="453555" cy="1724170"/>
           </a:xfrm>
           <a:prstGeom prst="rect">
@@ -22666,8 +23103,8 @@
         </p:nvGrpSpPr>
         <p:grpSpPr>
           <a:xfrm>
-            <a:off x="7686908" y="2465691"/>
-            <a:ext cx="978122" cy="1588462"/>
+            <a:off x="7686908" y="2717452"/>
+            <a:ext cx="978122" cy="1084941"/>
             <a:chOff x="7841583" y="2480162"/>
             <a:chExt cx="978122" cy="1588462"/>
           </a:xfrm>
@@ -22843,8 +23280,8 @@
         </p:nvGrpSpPr>
         <p:grpSpPr>
           <a:xfrm flipH="1">
-            <a:off x="10332493" y="2450491"/>
-            <a:ext cx="987809" cy="1588462"/>
+            <a:off x="10332493" y="2702252"/>
+            <a:ext cx="987809" cy="1084941"/>
             <a:chOff x="7841583" y="2480162"/>
             <a:chExt cx="978122" cy="1588462"/>
           </a:xfrm>
@@ -24547,4 +24984,299 @@
     </a:ext>
   </a:extLst>
 </a:theme>
+</file>
+
+<file path=ppt/theme/theme2.xml><?xml version="1.0" encoding="utf-8"?>
+<a:theme xmlns:a="http://schemas.openxmlformats.org/drawingml/2006/main" name="Office Theme">
+  <a:themeElements>
+    <a:clrScheme name="Office">
+      <a:dk1>
+        <a:sysClr val="windowText" lastClr="000000"/>
+      </a:dk1>
+      <a:lt1>
+        <a:sysClr val="window" lastClr="FFFFFF"/>
+      </a:lt1>
+      <a:dk2>
+        <a:srgbClr val="44546A"/>
+      </a:dk2>
+      <a:lt2>
+        <a:srgbClr val="E7E6E6"/>
+      </a:lt2>
+      <a:accent1>
+        <a:srgbClr val="4472C4"/>
+      </a:accent1>
+      <a:accent2>
+        <a:srgbClr val="ED7D31"/>
+      </a:accent2>
+      <a:accent3>
+        <a:srgbClr val="A5A5A5"/>
+      </a:accent3>
+      <a:accent4>
+        <a:srgbClr val="FFC000"/>
+      </a:accent4>
+      <a:accent5>
+        <a:srgbClr val="5B9BD5"/>
+      </a:accent5>
+      <a:accent6>
+        <a:srgbClr val="70AD47"/>
+      </a:accent6>
+      <a:hlink>
+        <a:srgbClr val="0563C1"/>
+      </a:hlink>
+      <a:folHlink>
+        <a:srgbClr val="954F72"/>
+      </a:folHlink>
+    </a:clrScheme>
+    <a:fontScheme name="Office">
+      <a:majorFont>
+        <a:latin typeface="Calibri Light" panose="020F0302020204030204"/>
+        <a:ea typeface=""/>
+        <a:cs typeface=""/>
+        <a:font script="Jpan" typeface="游ゴシック Light"/>
+        <a:font script="Hang" typeface="맑은 고딕"/>
+        <a:font script="Hans" typeface="等线 Light"/>
+        <a:font script="Hant" typeface="新細明體"/>
+        <a:font script="Arab" typeface="Times New Roman"/>
+        <a:font script="Hebr" typeface="Times New Roman"/>
+        <a:font script="Thai" typeface="Angsana New"/>
+        <a:font script="Ethi" typeface="Nyala"/>
+        <a:font script="Beng" typeface="Vrinda"/>
+        <a:font script="Gujr" typeface="Shruti"/>
+        <a:font script="Khmr" typeface="MoolBoran"/>
+        <a:font script="Knda" typeface="Tunga"/>
+        <a:font script="Guru" typeface="Raavi"/>
+        <a:font script="Cans" typeface="Euphemia"/>
+        <a:font script="Cher" typeface="Plantagenet Cherokee"/>
+        <a:font script="Yiii" typeface="Microsoft Yi Baiti"/>
+        <a:font script="Tibt" typeface="Microsoft Himalaya"/>
+        <a:font script="Thaa" typeface="MV Boli"/>
+        <a:font script="Deva" typeface="Mangal"/>
+        <a:font script="Telu" typeface="Gautami"/>
+        <a:font script="Taml" typeface="Latha"/>
+        <a:font script="Syrc" typeface="Estrangelo Edessa"/>
+        <a:font script="Orya" typeface="Kalinga"/>
+        <a:font script="Mlym" typeface="Kartika"/>
+        <a:font script="Laoo" typeface="DokChampa"/>
+        <a:font script="Sinh" typeface="Iskoola Pota"/>
+        <a:font script="Mong" typeface="Mongolian Baiti"/>
+        <a:font script="Viet" typeface="Times New Roman"/>
+        <a:font script="Uigh" typeface="Microsoft Uighur"/>
+        <a:font script="Geor" typeface="Sylfaen"/>
+        <a:font script="Armn" typeface="Arial"/>
+        <a:font script="Bugi" typeface="Leelawadee UI"/>
+        <a:font script="Bopo" typeface="Microsoft JhengHei"/>
+        <a:font script="Java" typeface="Javanese Text"/>
+        <a:font script="Lisu" typeface="Segoe UI"/>
+        <a:font script="Mymr" typeface="Myanmar Text"/>
+        <a:font script="Nkoo" typeface="Ebrima"/>
+        <a:font script="Olck" typeface="Nirmala UI"/>
+        <a:font script="Osma" typeface="Ebrima"/>
+        <a:font script="Phag" typeface="Phagspa"/>
+        <a:font script="Syrn" typeface="Estrangelo Edessa"/>
+        <a:font script="Syrj" typeface="Estrangelo Edessa"/>
+        <a:font script="Syre" typeface="Estrangelo Edessa"/>
+        <a:font script="Sora" typeface="Nirmala UI"/>
+        <a:font script="Tale" typeface="Microsoft Tai Le"/>
+        <a:font script="Talu" typeface="Microsoft New Tai Lue"/>
+        <a:font script="Tfng" typeface="Ebrima"/>
+      </a:majorFont>
+      <a:minorFont>
+        <a:latin typeface="Calibri" panose="020F0502020204030204"/>
+        <a:ea typeface=""/>
+        <a:cs typeface=""/>
+        <a:font script="Jpan" typeface="游ゴシック"/>
+        <a:font script="Hang" typeface="맑은 고딕"/>
+        <a:font script="Hans" typeface="等线"/>
+        <a:font script="Hant" typeface="新細明體"/>
+        <a:font script="Arab" typeface="Arial"/>
+        <a:font script="Hebr" typeface="Arial"/>
+        <a:font script="Thai" typeface="Cordia New"/>
+        <a:font script="Ethi" typeface="Nyala"/>
+        <a:font script="Beng" typeface="Vrinda"/>
+        <a:font script="Gujr" typeface="Shruti"/>
+        <a:font script="Khmr" typeface="DaunPenh"/>
+        <a:font script="Knda" typeface="Tunga"/>
+        <a:font script="Guru" typeface="Raavi"/>
+        <a:font script="Cans" typeface="Euphemia"/>
+        <a:font script="Cher" typeface="Plantagenet Cherokee"/>
+        <a:font script="Yiii" typeface="Microsoft Yi Baiti"/>
+        <a:font script="Tibt" typeface="Microsoft Himalaya"/>
+        <a:font script="Thaa" typeface="MV Boli"/>
+        <a:font script="Deva" typeface="Mangal"/>
+        <a:font script="Telu" typeface="Gautami"/>
+        <a:font script="Taml" typeface="Latha"/>
+        <a:font script="Syrc" typeface="Estrangelo Edessa"/>
+        <a:font script="Orya" typeface="Kalinga"/>
+        <a:font script="Mlym" typeface="Kartika"/>
+        <a:font script="Laoo" typeface="DokChampa"/>
+        <a:font script="Sinh" typeface="Iskoola Pota"/>
+        <a:font script="Mong" typeface="Mongolian Baiti"/>
+        <a:font script="Viet" typeface="Arial"/>
+        <a:font script="Uigh" typeface="Microsoft Uighur"/>
+        <a:font script="Geor" typeface="Sylfaen"/>
+        <a:font script="Armn" typeface="Arial"/>
+        <a:font script="Bugi" typeface="Leelawadee UI"/>
+        <a:font script="Bopo" typeface="Microsoft JhengHei"/>
+        <a:font script="Java" typeface="Javanese Text"/>
+        <a:font script="Lisu" typeface="Segoe UI"/>
+        <a:font script="Mymr" typeface="Myanmar Text"/>
+        <a:font script="Nkoo" typeface="Ebrima"/>
+        <a:font script="Olck" typeface="Nirmala UI"/>
+        <a:font script="Osma" typeface="Ebrima"/>
+        <a:font script="Phag" typeface="Phagspa"/>
+        <a:font script="Syrn" typeface="Estrangelo Edessa"/>
+        <a:font script="Syrj" typeface="Estrangelo Edessa"/>
+        <a:font script="Syre" typeface="Estrangelo Edessa"/>
+        <a:font script="Sora" typeface="Nirmala UI"/>
+        <a:font script="Tale" typeface="Microsoft Tai Le"/>
+        <a:font script="Talu" typeface="Microsoft New Tai Lue"/>
+        <a:font script="Tfng" typeface="Ebrima"/>
+      </a:minorFont>
+    </a:fontScheme>
+    <a:fmtScheme name="Office">
+      <a:fillStyleLst>
+        <a:solidFill>
+          <a:schemeClr val="phClr"/>
+        </a:solidFill>
+        <a:gradFill rotWithShape="1">
+          <a:gsLst>
+            <a:gs pos="0">
+              <a:schemeClr val="phClr">
+                <a:lumMod val="110000"/>
+                <a:satMod val="105000"/>
+                <a:tint val="67000"/>
+              </a:schemeClr>
+            </a:gs>
+            <a:gs pos="50000">
+              <a:schemeClr val="phClr">
+                <a:lumMod val="105000"/>
+                <a:satMod val="103000"/>
+                <a:tint val="73000"/>
+              </a:schemeClr>
+            </a:gs>
+            <a:gs pos="100000">
+              <a:schemeClr val="phClr">
+                <a:lumMod val="105000"/>
+                <a:satMod val="109000"/>
+                <a:tint val="81000"/>
+              </a:schemeClr>
+            </a:gs>
+          </a:gsLst>
+          <a:lin ang="5400000" scaled="0"/>
+        </a:gradFill>
+        <a:gradFill rotWithShape="1">
+          <a:gsLst>
+            <a:gs pos="0">
+              <a:schemeClr val="phClr">
+                <a:satMod val="103000"/>
+                <a:lumMod val="102000"/>
+                <a:tint val="94000"/>
+              </a:schemeClr>
+            </a:gs>
+            <a:gs pos="50000">
+              <a:schemeClr val="phClr">
+                <a:satMod val="110000"/>
+                <a:lumMod val="100000"/>
+                <a:shade val="100000"/>
+              </a:schemeClr>
+            </a:gs>
+            <a:gs pos="100000">
+              <a:schemeClr val="phClr">
+                <a:lumMod val="99000"/>
+                <a:satMod val="120000"/>
+                <a:shade val="78000"/>
+              </a:schemeClr>
+            </a:gs>
+          </a:gsLst>
+          <a:lin ang="5400000" scaled="0"/>
+        </a:gradFill>
+      </a:fillStyleLst>
+      <a:lnStyleLst>
+        <a:ln w="6350" cap="flat" cmpd="sng" algn="ctr">
+          <a:solidFill>
+            <a:schemeClr val="phClr"/>
+          </a:solidFill>
+          <a:prstDash val="solid"/>
+          <a:miter lim="800000"/>
+        </a:ln>
+        <a:ln w="12700" cap="flat" cmpd="sng" algn="ctr">
+          <a:solidFill>
+            <a:schemeClr val="phClr"/>
+          </a:solidFill>
+          <a:prstDash val="solid"/>
+          <a:miter lim="800000"/>
+        </a:ln>
+        <a:ln w="19050" cap="flat" cmpd="sng" algn="ctr">
+          <a:solidFill>
+            <a:schemeClr val="phClr"/>
+          </a:solidFill>
+          <a:prstDash val="solid"/>
+          <a:miter lim="800000"/>
+        </a:ln>
+      </a:lnStyleLst>
+      <a:effectStyleLst>
+        <a:effectStyle>
+          <a:effectLst/>
+        </a:effectStyle>
+        <a:effectStyle>
+          <a:effectLst/>
+        </a:effectStyle>
+        <a:effectStyle>
+          <a:effectLst>
+            <a:outerShdw blurRad="57150" dist="19050" dir="5400000" algn="ctr" rotWithShape="0">
+              <a:srgbClr val="000000">
+                <a:alpha val="63000"/>
+              </a:srgbClr>
+            </a:outerShdw>
+          </a:effectLst>
+        </a:effectStyle>
+      </a:effectStyleLst>
+      <a:bgFillStyleLst>
+        <a:solidFill>
+          <a:schemeClr val="phClr"/>
+        </a:solidFill>
+        <a:solidFill>
+          <a:schemeClr val="phClr">
+            <a:tint val="95000"/>
+            <a:satMod val="170000"/>
+          </a:schemeClr>
+        </a:solidFill>
+        <a:gradFill rotWithShape="1">
+          <a:gsLst>
+            <a:gs pos="0">
+              <a:schemeClr val="phClr">
+                <a:tint val="93000"/>
+                <a:satMod val="150000"/>
+                <a:shade val="98000"/>
+                <a:lumMod val="102000"/>
+              </a:schemeClr>
+            </a:gs>
+            <a:gs pos="50000">
+              <a:schemeClr val="phClr">
+                <a:tint val="98000"/>
+                <a:satMod val="130000"/>
+                <a:shade val="90000"/>
+                <a:lumMod val="103000"/>
+              </a:schemeClr>
+            </a:gs>
+            <a:gs pos="100000">
+              <a:schemeClr val="phClr">
+                <a:shade val="63000"/>
+                <a:satMod val="120000"/>
+              </a:schemeClr>
+            </a:gs>
+          </a:gsLst>
+          <a:lin ang="5400000" scaled="0"/>
+        </a:gradFill>
+      </a:bgFillStyleLst>
+    </a:fmtScheme>
+  </a:themeElements>
+  <a:objectDefaults/>
+  <a:extraClrSchemeLst/>
+  <a:extLst>
+    <a:ext uri="{05A4C25C-085E-4340-85A3-A5531E510DB2}">
+      <thm15:themeFamily xmlns:thm15="http://schemas.microsoft.com/office/thememl/2012/main" name="Office Theme" id="{62F939B6-93AF-4DB8-9C6B-D6C7DFDC589F}" vid="{4A3C46E8-61CC-4603-A589-7422A47A8E4A}"/>
+    </a:ext>
+  </a:extLst>
+</a:theme>
 </file>